--- a/docs/ml and ann results.pptx
+++ b/docs/ml and ann results.pptx
@@ -8,7 +8,12 @@
     <p:sldId id="256" r:id="rId2"/>
     <p:sldId id="258" r:id="rId3"/>
     <p:sldId id="257" r:id="rId4"/>
-    <p:sldId id="259" r:id="rId5"/>
+    <p:sldId id="260" r:id="rId5"/>
+    <p:sldId id="259" r:id="rId6"/>
+    <p:sldId id="262" r:id="rId7"/>
+    <p:sldId id="261" r:id="rId8"/>
+    <p:sldId id="263" r:id="rId9"/>
+    <p:sldId id="264" r:id="rId10"/>
   </p:sldIdLst>
   <p:sldSz cx="12192000" cy="6858000"/>
   <p:notesSz cx="6858000" cy="9144000"/>
@@ -107,6 +112,11 @@
       </a:defRPr>
     </a:lvl9pPr>
   </p:defaultTextStyle>
+  <p:extLst>
+    <p:ext uri="{EFAFB233-063F-42B5-8137-9DF3F51BA10A}">
+      <p15:sldGuideLst xmlns:p15="http://schemas.microsoft.com/office/powerpoint/2012/main"/>
+    </p:ext>
+  </p:extLst>
 </p:presentation>
 </file>
 
@@ -259,7 +269,7 @@
           <a:p>
             <a:fld id="{883B8A3D-F823-46B7-A65F-EA75CCDBF816}" type="datetimeFigureOut">
               <a:rPr lang="en-IN" smtClean="0"/>
-              <a:t>02-10-2025</a:t>
+              <a:t>03-10-2025</a:t>
             </a:fld>
             <a:endParaRPr lang="en-IN"/>
           </a:p>
@@ -459,7 +469,7 @@
           <a:p>
             <a:fld id="{883B8A3D-F823-46B7-A65F-EA75CCDBF816}" type="datetimeFigureOut">
               <a:rPr lang="en-IN" smtClean="0"/>
-              <a:t>02-10-2025</a:t>
+              <a:t>03-10-2025</a:t>
             </a:fld>
             <a:endParaRPr lang="en-IN"/>
           </a:p>
@@ -669,7 +679,7 @@
           <a:p>
             <a:fld id="{883B8A3D-F823-46B7-A65F-EA75CCDBF816}" type="datetimeFigureOut">
               <a:rPr lang="en-IN" smtClean="0"/>
-              <a:t>02-10-2025</a:t>
+              <a:t>03-10-2025</a:t>
             </a:fld>
             <a:endParaRPr lang="en-IN"/>
           </a:p>
@@ -869,7 +879,7 @@
           <a:p>
             <a:fld id="{883B8A3D-F823-46B7-A65F-EA75CCDBF816}" type="datetimeFigureOut">
               <a:rPr lang="en-IN" smtClean="0"/>
-              <a:t>02-10-2025</a:t>
+              <a:t>03-10-2025</a:t>
             </a:fld>
             <a:endParaRPr lang="en-IN"/>
           </a:p>
@@ -1145,7 +1155,7 @@
           <a:p>
             <a:fld id="{883B8A3D-F823-46B7-A65F-EA75CCDBF816}" type="datetimeFigureOut">
               <a:rPr lang="en-IN" smtClean="0"/>
-              <a:t>02-10-2025</a:t>
+              <a:t>03-10-2025</a:t>
             </a:fld>
             <a:endParaRPr lang="en-IN"/>
           </a:p>
@@ -1413,7 +1423,7 @@
           <a:p>
             <a:fld id="{883B8A3D-F823-46B7-A65F-EA75CCDBF816}" type="datetimeFigureOut">
               <a:rPr lang="en-IN" smtClean="0"/>
-              <a:t>02-10-2025</a:t>
+              <a:t>03-10-2025</a:t>
             </a:fld>
             <a:endParaRPr lang="en-IN"/>
           </a:p>
@@ -1828,7 +1838,7 @@
           <a:p>
             <a:fld id="{883B8A3D-F823-46B7-A65F-EA75CCDBF816}" type="datetimeFigureOut">
               <a:rPr lang="en-IN" smtClean="0"/>
-              <a:t>02-10-2025</a:t>
+              <a:t>03-10-2025</a:t>
             </a:fld>
             <a:endParaRPr lang="en-IN"/>
           </a:p>
@@ -1970,7 +1980,7 @@
           <a:p>
             <a:fld id="{883B8A3D-F823-46B7-A65F-EA75CCDBF816}" type="datetimeFigureOut">
               <a:rPr lang="en-IN" smtClean="0"/>
-              <a:t>02-10-2025</a:t>
+              <a:t>03-10-2025</a:t>
             </a:fld>
             <a:endParaRPr lang="en-IN"/>
           </a:p>
@@ -2083,7 +2093,7 @@
           <a:p>
             <a:fld id="{883B8A3D-F823-46B7-A65F-EA75CCDBF816}" type="datetimeFigureOut">
               <a:rPr lang="en-IN" smtClean="0"/>
-              <a:t>02-10-2025</a:t>
+              <a:t>03-10-2025</a:t>
             </a:fld>
             <a:endParaRPr lang="en-IN"/>
           </a:p>
@@ -2396,7 +2406,7 @@
           <a:p>
             <a:fld id="{883B8A3D-F823-46B7-A65F-EA75CCDBF816}" type="datetimeFigureOut">
               <a:rPr lang="en-IN" smtClean="0"/>
-              <a:t>02-10-2025</a:t>
+              <a:t>03-10-2025</a:t>
             </a:fld>
             <a:endParaRPr lang="en-IN"/>
           </a:p>
@@ -2685,7 +2695,7 @@
           <a:p>
             <a:fld id="{883B8A3D-F823-46B7-A65F-EA75CCDBF816}" type="datetimeFigureOut">
               <a:rPr lang="en-IN" smtClean="0"/>
-              <a:t>02-10-2025</a:t>
+              <a:t>03-10-2025</a:t>
             </a:fld>
             <a:endParaRPr lang="en-IN"/>
           </a:p>
@@ -2928,7 +2938,7 @@
           <a:p>
             <a:fld id="{883B8A3D-F823-46B7-A65F-EA75CCDBF816}" type="datetimeFigureOut">
               <a:rPr lang="en-IN" smtClean="0"/>
-              <a:t>02-10-2025</a:t>
+              <a:t>03-10-2025</a:t>
             </a:fld>
             <a:endParaRPr lang="en-IN"/>
           </a:p>
@@ -4107,6 +4117,2851 @@
 <file path=ppt/slides/slide4.xml><?xml version="1.0" encoding="utf-8"?>
 <p:sld xmlns:a="http://schemas.openxmlformats.org/drawingml/2006/main" xmlns:r="http://schemas.openxmlformats.org/officeDocument/2006/relationships" xmlns:p="http://schemas.openxmlformats.org/presentationml/2006/main">
   <p:cSld>
+    <p:bg>
+      <p:bgPr>
+        <a:solidFill>
+          <a:schemeClr val="bg1"/>
+        </a:solidFill>
+        <a:effectLst/>
+      </p:bgPr>
+    </p:bg>
+    <p:spTree>
+      <p:nvGrpSpPr>
+        <p:cNvPr id="1" name=""/>
+        <p:cNvGrpSpPr/>
+        <p:nvPr/>
+      </p:nvGrpSpPr>
+      <p:grpSpPr>
+        <a:xfrm>
+          <a:off x="0" y="0"/>
+          <a:ext cx="0" cy="0"/>
+          <a:chOff x="0" y="0"/>
+          <a:chExt cx="0" cy="0"/>
+        </a:xfrm>
+      </p:grpSpPr>
+      <p:sp>
+        <p:nvSpPr>
+          <p:cNvPr id="9" name="Rectangle 8">
+            <a:extLst>
+              <a:ext uri="{FF2B5EF4-FFF2-40B4-BE49-F238E27FC236}">
+                <a16:creationId xmlns:a16="http://schemas.microsoft.com/office/drawing/2014/main" id="{F3060C83-F051-4F0E-ABAD-AA0DFC48B218}"/>
+              </a:ext>
+              <a:ext uri="{C183D7F6-B498-43B3-948B-1728B52AA6E4}">
+                <adec:decorative xmlns:adec="http://schemas.microsoft.com/office/drawing/2017/decorative" val="1"/>
+              </a:ext>
+            </a:extLst>
+          </p:cNvPr>
+          <p:cNvSpPr>
+            <a:spLocks noGrp="1" noRot="1" noChangeAspect="1" noMove="1" noResize="1" noEditPoints="1" noAdjustHandles="1" noChangeArrowheads="1" noChangeShapeType="1" noTextEdit="1"/>
+          </p:cNvSpPr>
+          <p:nvPr>
+            <p:extLst>
+              <p:ext uri="{386F3935-93C4-4BCD-93E2-E3B085C9AB24}">
+                <p16:designElem xmlns:p16="http://schemas.microsoft.com/office/powerpoint/2015/main" val="1"/>
+              </p:ext>
+            </p:extLst>
+          </p:nvPr>
+        </p:nvSpPr>
+        <p:spPr>
+          <a:xfrm>
+            <a:off x="0" y="0"/>
+            <a:ext cx="12192000" cy="6858000"/>
+          </a:xfrm>
+          <a:prstGeom prst="rect">
+            <a:avLst/>
+          </a:prstGeom>
+          <a:solidFill>
+            <a:schemeClr val="bg1"/>
+          </a:solidFill>
+          <a:ln>
+            <a:noFill/>
+          </a:ln>
+        </p:spPr>
+        <p:style>
+          <a:lnRef idx="2">
+            <a:schemeClr val="accent1">
+              <a:shade val="50000"/>
+            </a:schemeClr>
+          </a:lnRef>
+          <a:fillRef idx="1">
+            <a:schemeClr val="accent1"/>
+          </a:fillRef>
+          <a:effectRef idx="0">
+            <a:schemeClr val="accent1"/>
+          </a:effectRef>
+          <a:fontRef idx="minor">
+            <a:schemeClr val="lt1"/>
+          </a:fontRef>
+        </p:style>
+        <p:txBody>
+          <a:bodyPr rtlCol="0" anchor="ctr"/>
+          <a:lstStyle/>
+          <a:p>
+            <a:pPr algn="ctr"/>
+            <a:endParaRPr lang="en-US" dirty="0"/>
+          </a:p>
+        </p:txBody>
+      </p:sp>
+      <p:sp>
+        <p:nvSpPr>
+          <p:cNvPr id="11" name="Freeform: Shape 10">
+            <a:extLst>
+              <a:ext uri="{FF2B5EF4-FFF2-40B4-BE49-F238E27FC236}">
+                <a16:creationId xmlns:a16="http://schemas.microsoft.com/office/drawing/2014/main" id="{83C98ABE-055B-441F-B07E-44F97F083C39}"/>
+              </a:ext>
+              <a:ext uri="{C183D7F6-B498-43B3-948B-1728B52AA6E4}">
+                <adec:decorative xmlns:adec="http://schemas.microsoft.com/office/drawing/2017/decorative" val="1"/>
+              </a:ext>
+            </a:extLst>
+          </p:cNvPr>
+          <p:cNvSpPr>
+            <a:spLocks noGrp="1" noRot="1" noChangeAspect="1" noMove="1" noResize="1" noEditPoints="1" noAdjustHandles="1" noChangeArrowheads="1" noChangeShapeType="1" noTextEdit="1"/>
+          </p:cNvSpPr>
+          <p:nvPr>
+            <p:extLst>
+              <p:ext uri="{386F3935-93C4-4BCD-93E2-E3B085C9AB24}">
+                <p16:designElem xmlns:p16="http://schemas.microsoft.com/office/powerpoint/2015/main" val="1"/>
+              </p:ext>
+            </p:extLst>
+          </p:nvPr>
+        </p:nvSpPr>
+        <p:spPr>
+          <a:xfrm rot="18900000" flipH="1">
+            <a:off x="-376156" y="-253670"/>
+            <a:ext cx="1827638" cy="1376989"/>
+          </a:xfrm>
+          <a:custGeom>
+            <a:avLst/>
+            <a:gdLst>
+              <a:gd name="connsiteX0" fmla="*/ 0 w 1827638"/>
+              <a:gd name="connsiteY0" fmla="*/ 987379 h 1376989"/>
+              <a:gd name="connsiteX1" fmla="*/ 987379 w 1827638"/>
+              <a:gd name="connsiteY1" fmla="*/ 0 h 1376989"/>
+              <a:gd name="connsiteX2" fmla="*/ 1827638 w 1827638"/>
+              <a:gd name="connsiteY2" fmla="*/ 840260 h 1376989"/>
+              <a:gd name="connsiteX3" fmla="*/ 1827638 w 1827638"/>
+              <a:gd name="connsiteY3" fmla="*/ 1376989 h 1376989"/>
+              <a:gd name="connsiteX4" fmla="*/ 0 w 1827638"/>
+              <a:gd name="connsiteY4" fmla="*/ 1376989 h 1376989"/>
+            </a:gdLst>
+            <a:ahLst/>
+            <a:cxnLst>
+              <a:cxn ang="0">
+                <a:pos x="connsiteX0" y="connsiteY0"/>
+              </a:cxn>
+              <a:cxn ang="0">
+                <a:pos x="connsiteX1" y="connsiteY1"/>
+              </a:cxn>
+              <a:cxn ang="0">
+                <a:pos x="connsiteX2" y="connsiteY2"/>
+              </a:cxn>
+              <a:cxn ang="0">
+                <a:pos x="connsiteX3" y="connsiteY3"/>
+              </a:cxn>
+              <a:cxn ang="0">
+                <a:pos x="connsiteX4" y="connsiteY4"/>
+              </a:cxn>
+            </a:cxnLst>
+            <a:rect l="l" t="t" r="r" b="b"/>
+            <a:pathLst>
+              <a:path w="1827638" h="1376989">
+                <a:moveTo>
+                  <a:pt x="0" y="987379"/>
+                </a:moveTo>
+                <a:lnTo>
+                  <a:pt x="987379" y="0"/>
+                </a:lnTo>
+                <a:lnTo>
+                  <a:pt x="1827638" y="840260"/>
+                </a:lnTo>
+                <a:lnTo>
+                  <a:pt x="1827638" y="1376989"/>
+                </a:lnTo>
+                <a:lnTo>
+                  <a:pt x="0" y="1376989"/>
+                </a:lnTo>
+                <a:close/>
+              </a:path>
+            </a:pathLst>
+          </a:custGeom>
+          <a:solidFill>
+            <a:schemeClr val="accent1">
+              <a:alpha val="30000"/>
+            </a:schemeClr>
+          </a:solidFill>
+          <a:ln>
+            <a:noFill/>
+          </a:ln>
+        </p:spPr>
+        <p:style>
+          <a:lnRef idx="2">
+            <a:schemeClr val="accent1">
+              <a:shade val="50000"/>
+            </a:schemeClr>
+          </a:lnRef>
+          <a:fillRef idx="1">
+            <a:schemeClr val="accent1"/>
+          </a:fillRef>
+          <a:effectRef idx="0">
+            <a:schemeClr val="accent1"/>
+          </a:effectRef>
+          <a:fontRef idx="minor">
+            <a:schemeClr val="lt1"/>
+          </a:fontRef>
+        </p:style>
+        <p:txBody>
+          <a:bodyPr rtlCol="0" anchor="ctr"/>
+          <a:lstStyle/>
+          <a:p>
+            <a:pPr algn="ctr"/>
+            <a:endParaRPr lang="en-US" dirty="0"/>
+          </a:p>
+        </p:txBody>
+      </p:sp>
+      <p:sp>
+        <p:nvSpPr>
+          <p:cNvPr id="13" name="Rectangle 12">
+            <a:extLst>
+              <a:ext uri="{FF2B5EF4-FFF2-40B4-BE49-F238E27FC236}">
+                <a16:creationId xmlns:a16="http://schemas.microsoft.com/office/drawing/2014/main" id="{29FDB030-9B49-4CED-8CCD-4D99382388AC}"/>
+              </a:ext>
+              <a:ext uri="{C183D7F6-B498-43B3-948B-1728B52AA6E4}">
+                <adec:decorative xmlns:adec="http://schemas.microsoft.com/office/drawing/2017/decorative" val="1"/>
+              </a:ext>
+            </a:extLst>
+          </p:cNvPr>
+          <p:cNvSpPr>
+            <a:spLocks noGrp="1" noRot="1" noChangeAspect="1" noMove="1" noResize="1" noEditPoints="1" noAdjustHandles="1" noChangeArrowheads="1" noChangeShapeType="1" noTextEdit="1"/>
+          </p:cNvSpPr>
+          <p:nvPr>
+            <p:extLst>
+              <p:ext uri="{386F3935-93C4-4BCD-93E2-E3B085C9AB24}">
+                <p16:designElem xmlns:p16="http://schemas.microsoft.com/office/powerpoint/2015/main" val="1"/>
+              </p:ext>
+            </p:extLst>
+          </p:nvPr>
+        </p:nvSpPr>
+        <p:spPr>
+          <a:xfrm rot="18900000" flipH="1">
+            <a:off x="891641" y="422146"/>
+            <a:ext cx="645368" cy="645368"/>
+          </a:xfrm>
+          <a:prstGeom prst="rect">
+            <a:avLst/>
+          </a:prstGeom>
+          <a:solidFill>
+            <a:schemeClr val="accent1">
+              <a:alpha val="30000"/>
+            </a:schemeClr>
+          </a:solidFill>
+          <a:ln>
+            <a:noFill/>
+          </a:ln>
+        </p:spPr>
+        <p:style>
+          <a:lnRef idx="2">
+            <a:schemeClr val="accent1">
+              <a:shade val="50000"/>
+            </a:schemeClr>
+          </a:lnRef>
+          <a:fillRef idx="1">
+            <a:schemeClr val="accent1"/>
+          </a:fillRef>
+          <a:effectRef idx="0">
+            <a:schemeClr val="accent1"/>
+          </a:effectRef>
+          <a:fontRef idx="minor">
+            <a:schemeClr val="lt1"/>
+          </a:fontRef>
+        </p:style>
+        <p:txBody>
+          <a:bodyPr rtlCol="0" anchor="ctr"/>
+          <a:lstStyle/>
+          <a:p>
+            <a:pPr algn="ctr"/>
+            <a:endParaRPr lang="en-US"/>
+          </a:p>
+        </p:txBody>
+      </p:sp>
+      <p:sp>
+        <p:nvSpPr>
+          <p:cNvPr id="15" name="Rectangle 14">
+            <a:extLst>
+              <a:ext uri="{FF2B5EF4-FFF2-40B4-BE49-F238E27FC236}">
+                <a16:creationId xmlns:a16="http://schemas.microsoft.com/office/drawing/2014/main" id="{3783CA14-24A1-485C-8B30-D6A5D87987AD}"/>
+              </a:ext>
+              <a:ext uri="{C183D7F6-B498-43B3-948B-1728B52AA6E4}">
+                <adec:decorative xmlns:adec="http://schemas.microsoft.com/office/drawing/2017/decorative" val="1"/>
+              </a:ext>
+            </a:extLst>
+          </p:cNvPr>
+          <p:cNvSpPr>
+            <a:spLocks noGrp="1" noRot="1" noChangeAspect="1" noMove="1" noResize="1" noEditPoints="1" noAdjustHandles="1" noChangeArrowheads="1" noChangeShapeType="1" noTextEdit="1"/>
+          </p:cNvSpPr>
+          <p:nvPr>
+            <p:extLst>
+              <p:ext uri="{386F3935-93C4-4BCD-93E2-E3B085C9AB24}">
+                <p16:designElem xmlns:p16="http://schemas.microsoft.com/office/powerpoint/2015/main" val="1"/>
+              </p:ext>
+            </p:extLst>
+          </p:nvPr>
+        </p:nvSpPr>
+        <p:spPr>
+          <a:xfrm rot="18900000" flipH="1">
+            <a:off x="10043482" y="655140"/>
+            <a:ext cx="687472" cy="687472"/>
+          </a:xfrm>
+          <a:prstGeom prst="rect">
+            <a:avLst/>
+          </a:prstGeom>
+          <a:solidFill>
+            <a:schemeClr val="accent4">
+              <a:alpha val="30000"/>
+            </a:schemeClr>
+          </a:solidFill>
+          <a:ln>
+            <a:noFill/>
+          </a:ln>
+        </p:spPr>
+        <p:style>
+          <a:lnRef idx="2">
+            <a:schemeClr val="accent1">
+              <a:shade val="50000"/>
+            </a:schemeClr>
+          </a:lnRef>
+          <a:fillRef idx="1">
+            <a:schemeClr val="accent1"/>
+          </a:fillRef>
+          <a:effectRef idx="0">
+            <a:schemeClr val="accent1"/>
+          </a:effectRef>
+          <a:fontRef idx="minor">
+            <a:schemeClr val="lt1"/>
+          </a:fontRef>
+        </p:style>
+        <p:txBody>
+          <a:bodyPr rtlCol="0" anchor="ctr"/>
+          <a:lstStyle/>
+          <a:p>
+            <a:pPr algn="ctr"/>
+            <a:endParaRPr lang="en-US"/>
+          </a:p>
+        </p:txBody>
+      </p:sp>
+      <p:sp>
+        <p:nvSpPr>
+          <p:cNvPr id="17" name="Freeform: Shape 16">
+            <a:extLst>
+              <a:ext uri="{FF2B5EF4-FFF2-40B4-BE49-F238E27FC236}">
+                <a16:creationId xmlns:a16="http://schemas.microsoft.com/office/drawing/2014/main" id="{9A97C86A-04D6-40F7-AE84-31AB43E6A846}"/>
+              </a:ext>
+              <a:ext uri="{C183D7F6-B498-43B3-948B-1728B52AA6E4}">
+                <adec:decorative xmlns:adec="http://schemas.microsoft.com/office/drawing/2017/decorative" val="1"/>
+              </a:ext>
+            </a:extLst>
+          </p:cNvPr>
+          <p:cNvSpPr>
+            <a:spLocks noGrp="1" noRot="1" noChangeAspect="1" noMove="1" noResize="1" noEditPoints="1" noAdjustHandles="1" noChangeArrowheads="1" noChangeShapeType="1" noTextEdit="1"/>
+          </p:cNvSpPr>
+          <p:nvPr>
+            <p:extLst>
+              <p:ext uri="{386F3935-93C4-4BCD-93E2-E3B085C9AB24}">
+                <p16:designElem xmlns:p16="http://schemas.microsoft.com/office/powerpoint/2015/main" val="1"/>
+              </p:ext>
+            </p:extLst>
+          </p:nvPr>
+        </p:nvSpPr>
+        <p:spPr>
+          <a:xfrm rot="10800000" flipH="1">
+            <a:off x="9356643" y="0"/>
+            <a:ext cx="2835357" cy="1480837"/>
+          </a:xfrm>
+          <a:custGeom>
+            <a:avLst/>
+            <a:gdLst>
+              <a:gd name="connsiteX0" fmla="*/ 2835357 w 2835357"/>
+              <a:gd name="connsiteY0" fmla="*/ 1480837 h 1480837"/>
+              <a:gd name="connsiteX1" fmla="*/ 0 w 2835357"/>
+              <a:gd name="connsiteY1" fmla="*/ 1480837 h 1480837"/>
+              <a:gd name="connsiteX2" fmla="*/ 1552727 w 2835357"/>
+              <a:gd name="connsiteY2" fmla="*/ 0 h 1480837"/>
+              <a:gd name="connsiteX3" fmla="*/ 2835357 w 2835357"/>
+              <a:gd name="connsiteY3" fmla="*/ 1223245 h 1480837"/>
+            </a:gdLst>
+            <a:ahLst/>
+            <a:cxnLst>
+              <a:cxn ang="0">
+                <a:pos x="connsiteX0" y="connsiteY0"/>
+              </a:cxn>
+              <a:cxn ang="0">
+                <a:pos x="connsiteX1" y="connsiteY1"/>
+              </a:cxn>
+              <a:cxn ang="0">
+                <a:pos x="connsiteX2" y="connsiteY2"/>
+              </a:cxn>
+              <a:cxn ang="0">
+                <a:pos x="connsiteX3" y="connsiteY3"/>
+              </a:cxn>
+            </a:cxnLst>
+            <a:rect l="l" t="t" r="r" b="b"/>
+            <a:pathLst>
+              <a:path w="2835357" h="1480837">
+                <a:moveTo>
+                  <a:pt x="2835357" y="1480837"/>
+                </a:moveTo>
+                <a:lnTo>
+                  <a:pt x="0" y="1480837"/>
+                </a:lnTo>
+                <a:lnTo>
+                  <a:pt x="1552727" y="0"/>
+                </a:lnTo>
+                <a:lnTo>
+                  <a:pt x="2835357" y="1223245"/>
+                </a:lnTo>
+                <a:close/>
+              </a:path>
+            </a:pathLst>
+          </a:custGeom>
+          <a:solidFill>
+            <a:schemeClr val="accent4">
+              <a:alpha val="30000"/>
+            </a:schemeClr>
+          </a:solidFill>
+          <a:ln>
+            <a:noFill/>
+          </a:ln>
+        </p:spPr>
+        <p:style>
+          <a:lnRef idx="2">
+            <a:schemeClr val="accent1">
+              <a:shade val="50000"/>
+            </a:schemeClr>
+          </a:lnRef>
+          <a:fillRef idx="1">
+            <a:schemeClr val="accent1"/>
+          </a:fillRef>
+          <a:effectRef idx="0">
+            <a:schemeClr val="accent1"/>
+          </a:effectRef>
+          <a:fontRef idx="minor">
+            <a:schemeClr val="lt1"/>
+          </a:fontRef>
+        </p:style>
+        <p:txBody>
+          <a:bodyPr wrap="square" rtlCol="0" anchor="ctr">
+            <a:noAutofit/>
+          </a:bodyPr>
+          <a:lstStyle/>
+          <a:p>
+            <a:pPr algn="ctr"/>
+            <a:endParaRPr lang="en-US" dirty="0"/>
+          </a:p>
+        </p:txBody>
+      </p:sp>
+      <p:sp>
+        <p:nvSpPr>
+          <p:cNvPr id="19" name="Isosceles Triangle 18">
+            <a:extLst>
+              <a:ext uri="{FF2B5EF4-FFF2-40B4-BE49-F238E27FC236}">
+                <a16:creationId xmlns:a16="http://schemas.microsoft.com/office/drawing/2014/main" id="{FF9F2414-84E8-453E-B1F3-389FDE8192D9}"/>
+              </a:ext>
+              <a:ext uri="{C183D7F6-B498-43B3-948B-1728B52AA6E4}">
+                <adec:decorative xmlns:adec="http://schemas.microsoft.com/office/drawing/2017/decorative" val="1"/>
+              </a:ext>
+            </a:extLst>
+          </p:cNvPr>
+          <p:cNvSpPr>
+            <a:spLocks noGrp="1" noRot="1" noChangeAspect="1" noMove="1" noResize="1" noEditPoints="1" noAdjustHandles="1" noChangeArrowheads="1" noChangeShapeType="1" noTextEdit="1"/>
+          </p:cNvSpPr>
+          <p:nvPr>
+            <p:extLst>
+              <p:ext uri="{386F3935-93C4-4BCD-93E2-E3B085C9AB24}">
+                <p16:designElem xmlns:p16="http://schemas.microsoft.com/office/powerpoint/2015/main" val="1"/>
+              </p:ext>
+            </p:extLst>
+          </p:nvPr>
+        </p:nvSpPr>
+        <p:spPr>
+          <a:xfrm flipH="1">
+            <a:off x="7976344" y="6115501"/>
+            <a:ext cx="1494513" cy="742499"/>
+          </a:xfrm>
+          <a:prstGeom prst="triangle">
+            <a:avLst/>
+          </a:prstGeom>
+          <a:solidFill>
+            <a:schemeClr val="accent1">
+              <a:alpha val="30000"/>
+            </a:schemeClr>
+          </a:solidFill>
+          <a:ln>
+            <a:noFill/>
+          </a:ln>
+        </p:spPr>
+        <p:style>
+          <a:lnRef idx="2">
+            <a:schemeClr val="accent1">
+              <a:shade val="50000"/>
+            </a:schemeClr>
+          </a:lnRef>
+          <a:fillRef idx="1">
+            <a:schemeClr val="accent1"/>
+          </a:fillRef>
+          <a:effectRef idx="0">
+            <a:schemeClr val="accent1"/>
+          </a:effectRef>
+          <a:fontRef idx="minor">
+            <a:schemeClr val="lt1"/>
+          </a:fontRef>
+        </p:style>
+        <p:txBody>
+          <a:bodyPr rtlCol="0" anchor="ctr"/>
+          <a:lstStyle/>
+          <a:p>
+            <a:pPr algn="ctr"/>
+            <a:endParaRPr lang="en-US"/>
+          </a:p>
+        </p:txBody>
+      </p:sp>
+      <p:sp>
+        <p:nvSpPr>
+          <p:cNvPr id="21" name="Isosceles Triangle 20">
+            <a:extLst>
+              <a:ext uri="{FF2B5EF4-FFF2-40B4-BE49-F238E27FC236}">
+                <a16:creationId xmlns:a16="http://schemas.microsoft.com/office/drawing/2014/main" id="{3ECA69A1-7536-43AC-85EF-C7106179F5ED}"/>
+              </a:ext>
+              <a:ext uri="{C183D7F6-B498-43B3-948B-1728B52AA6E4}">
+                <adec:decorative xmlns:adec="http://schemas.microsoft.com/office/drawing/2017/decorative" val="1"/>
+              </a:ext>
+            </a:extLst>
+          </p:cNvPr>
+          <p:cNvSpPr>
+            <a:spLocks noGrp="1" noRot="1" noChangeAspect="1" noMove="1" noResize="1" noEditPoints="1" noAdjustHandles="1" noChangeArrowheads="1" noChangeShapeType="1" noTextEdit="1"/>
+          </p:cNvSpPr>
+          <p:nvPr>
+            <p:extLst>
+              <p:ext uri="{386F3935-93C4-4BCD-93E2-E3B085C9AB24}">
+                <p16:designElem xmlns:p16="http://schemas.microsoft.com/office/powerpoint/2015/main" val="1"/>
+              </p:ext>
+            </p:extLst>
+          </p:nvPr>
+        </p:nvSpPr>
+        <p:spPr>
+          <a:xfrm flipH="1">
+            <a:off x="7604080" y="6453143"/>
+            <a:ext cx="814903" cy="404857"/>
+          </a:xfrm>
+          <a:prstGeom prst="triangle">
+            <a:avLst/>
+          </a:prstGeom>
+          <a:solidFill>
+            <a:schemeClr val="accent1">
+              <a:alpha val="30000"/>
+            </a:schemeClr>
+          </a:solidFill>
+          <a:ln>
+            <a:noFill/>
+          </a:ln>
+        </p:spPr>
+        <p:style>
+          <a:lnRef idx="2">
+            <a:schemeClr val="accent1">
+              <a:shade val="50000"/>
+            </a:schemeClr>
+          </a:lnRef>
+          <a:fillRef idx="1">
+            <a:schemeClr val="accent1"/>
+          </a:fillRef>
+          <a:effectRef idx="0">
+            <a:schemeClr val="accent1"/>
+          </a:effectRef>
+          <a:fontRef idx="minor">
+            <a:schemeClr val="lt1"/>
+          </a:fontRef>
+        </p:style>
+        <p:txBody>
+          <a:bodyPr rtlCol="0" anchor="ctr"/>
+          <a:lstStyle/>
+          <a:p>
+            <a:pPr algn="ctr"/>
+            <a:endParaRPr lang="en-US"/>
+          </a:p>
+        </p:txBody>
+      </p:sp>
+      <p:graphicFrame>
+        <p:nvGraphicFramePr>
+          <p:cNvPr id="4" name="Content Placeholder 3">
+            <a:extLst>
+              <a:ext uri="{FF2B5EF4-FFF2-40B4-BE49-F238E27FC236}">
+                <a16:creationId xmlns:a16="http://schemas.microsoft.com/office/drawing/2014/main" id="{DB1F535C-87C5-CC1B-AF2B-DE089A6DEA87}"/>
+              </a:ext>
+            </a:extLst>
+          </p:cNvPr>
+          <p:cNvGraphicFramePr>
+            <a:graphicFrameLocks noGrp="1"/>
+          </p:cNvGraphicFramePr>
+          <p:nvPr>
+            <p:ph idx="4294967295"/>
+            <p:extLst>
+              <p:ext uri="{D42A27DB-BD31-4B8C-83A1-F6EECF244321}">
+                <p14:modId xmlns:p14="http://schemas.microsoft.com/office/powerpoint/2010/main" val="3337149854"/>
+              </p:ext>
+            </p:extLst>
+          </p:nvPr>
+        </p:nvGraphicFramePr>
+        <p:xfrm>
+          <a:off x="1214325" y="191183"/>
+          <a:ext cx="9443842" cy="6465250"/>
+        </p:xfrm>
+        <a:graphic>
+          <a:graphicData uri="http://schemas.openxmlformats.org/drawingml/2006/table">
+            <a:tbl>
+              <a:tblPr firstRow="1" bandRow="1">
+                <a:tableStyleId>{5C22544A-7EE6-4342-B048-85BDC9FD1C3A}</a:tableStyleId>
+              </a:tblPr>
+              <a:tblGrid>
+                <a:gridCol w="2567633">
+                  <a:extLst>
+                    <a:ext uri="{9D8B030D-6E8A-4147-A177-3AD203B41FA5}">
+                      <a16:colId xmlns:a16="http://schemas.microsoft.com/office/drawing/2014/main" val="691699881"/>
+                    </a:ext>
+                  </a:extLst>
+                </a:gridCol>
+                <a:gridCol w="2260760">
+                  <a:extLst>
+                    <a:ext uri="{9D8B030D-6E8A-4147-A177-3AD203B41FA5}">
+                      <a16:colId xmlns:a16="http://schemas.microsoft.com/office/drawing/2014/main" val="997897957"/>
+                    </a:ext>
+                  </a:extLst>
+                </a:gridCol>
+                <a:gridCol w="1538483">
+                  <a:extLst>
+                    <a:ext uri="{9D8B030D-6E8A-4147-A177-3AD203B41FA5}">
+                      <a16:colId xmlns:a16="http://schemas.microsoft.com/office/drawing/2014/main" val="243953333"/>
+                    </a:ext>
+                  </a:extLst>
+                </a:gridCol>
+                <a:gridCol w="1538483">
+                  <a:extLst>
+                    <a:ext uri="{9D8B030D-6E8A-4147-A177-3AD203B41FA5}">
+                      <a16:colId xmlns:a16="http://schemas.microsoft.com/office/drawing/2014/main" val="2618807006"/>
+                    </a:ext>
+                  </a:extLst>
+                </a:gridCol>
+                <a:gridCol w="1538483">
+                  <a:extLst>
+                    <a:ext uri="{9D8B030D-6E8A-4147-A177-3AD203B41FA5}">
+                      <a16:colId xmlns:a16="http://schemas.microsoft.com/office/drawing/2014/main" val="1324925879"/>
+                    </a:ext>
+                  </a:extLst>
+                </a:gridCol>
+              </a:tblGrid>
+              <a:tr h="258610">
+                <a:tc>
+                  <a:txBody>
+                    <a:bodyPr/>
+                    <a:lstStyle/>
+                    <a:p>
+                      <a:pPr algn="ctr" fontAlgn="b">
+                        <a:buNone/>
+                      </a:pPr>
+                      <a:r>
+                        <a:rPr lang="en-IN" sz="1600" dirty="0"/>
+                        <a:t>model</a:t>
+                      </a:r>
+                    </a:p>
+                  </a:txBody>
+                  <a:tcPr marL="8016" marR="8016" marT="8016" marB="0" anchor="ctr"/>
+                </a:tc>
+                <a:tc>
+                  <a:txBody>
+                    <a:bodyPr/>
+                    <a:lstStyle/>
+                    <a:p>
+                      <a:pPr algn="ctr" fontAlgn="b">
+                        <a:buNone/>
+                      </a:pPr>
+                      <a:r>
+                        <a:rPr lang="en-IN" sz="1600" dirty="0"/>
+                        <a:t>target</a:t>
+                      </a:r>
+                    </a:p>
+                  </a:txBody>
+                  <a:tcPr marL="8016" marR="8016" marT="8016" marB="0" anchor="ctr"/>
+                </a:tc>
+                <a:tc>
+                  <a:txBody>
+                    <a:bodyPr/>
+                    <a:lstStyle/>
+                    <a:p>
+                      <a:pPr algn="ctr" fontAlgn="b">
+                        <a:buNone/>
+                      </a:pPr>
+                      <a:r>
+                        <a:rPr lang="en-IN" sz="1600"/>
+                        <a:t>r2</a:t>
+                      </a:r>
+                    </a:p>
+                  </a:txBody>
+                  <a:tcPr marL="8016" marR="8016" marT="8016" marB="0" anchor="ctr"/>
+                </a:tc>
+                <a:tc>
+                  <a:txBody>
+                    <a:bodyPr/>
+                    <a:lstStyle/>
+                    <a:p>
+                      <a:pPr algn="ctr" fontAlgn="b">
+                        <a:buNone/>
+                      </a:pPr>
+                      <a:r>
+                        <a:rPr lang="en-IN" sz="1600"/>
+                        <a:t>mae</a:t>
+                      </a:r>
+                    </a:p>
+                  </a:txBody>
+                  <a:tcPr marL="8016" marR="8016" marT="8016" marB="0" anchor="ctr"/>
+                </a:tc>
+                <a:tc>
+                  <a:txBody>
+                    <a:bodyPr/>
+                    <a:lstStyle/>
+                    <a:p>
+                      <a:pPr algn="ctr" fontAlgn="b">
+                        <a:buNone/>
+                      </a:pPr>
+                      <a:r>
+                        <a:rPr lang="en-IN" sz="1600"/>
+                        <a:t>mse</a:t>
+                      </a:r>
+                    </a:p>
+                  </a:txBody>
+                  <a:tcPr marL="8016" marR="8016" marT="8016" marB="0" anchor="ctr"/>
+                </a:tc>
+                <a:extLst>
+                  <a:ext uri="{0D108BD9-81ED-4DB2-BD59-A6C34878D82A}">
+                    <a16:rowId xmlns:a16="http://schemas.microsoft.com/office/drawing/2014/main" val="651530461"/>
+                  </a:ext>
+                </a:extLst>
+              </a:tr>
+              <a:tr h="258610">
+                <a:tc>
+                  <a:txBody>
+                    <a:bodyPr/>
+                    <a:lstStyle/>
+                    <a:p>
+                      <a:pPr algn="ctr" fontAlgn="b">
+                        <a:buNone/>
+                      </a:pPr>
+                      <a:r>
+                        <a:rPr lang="en-IN" sz="1600" dirty="0" err="1"/>
+                        <a:t>LinearRegression</a:t>
+                      </a:r>
+                      <a:endParaRPr lang="en-IN" sz="1600" dirty="0"/>
+                    </a:p>
+                  </a:txBody>
+                  <a:tcPr marL="8016" marR="8016" marT="8016" marB="0" anchor="ctr"/>
+                </a:tc>
+                <a:tc>
+                  <a:txBody>
+                    <a:bodyPr/>
+                    <a:lstStyle/>
+                    <a:p>
+                      <a:pPr algn="ctr" fontAlgn="b">
+                        <a:buNone/>
+                      </a:pPr>
+                      <a:r>
+                        <a:rPr lang="en-IN" sz="1600"/>
+                        <a:t>angle_mie</a:t>
+                      </a:r>
+                    </a:p>
+                  </a:txBody>
+                  <a:tcPr marL="8016" marR="8016" marT="8016" marB="0" anchor="ctr"/>
+                </a:tc>
+                <a:tc>
+                  <a:txBody>
+                    <a:bodyPr/>
+                    <a:lstStyle/>
+                    <a:p>
+                      <a:pPr algn="ctr" fontAlgn="b">
+                        <a:buNone/>
+                      </a:pPr>
+                      <a:r>
+                        <a:rPr lang="en-IN" sz="1600"/>
+                        <a:t>0.656705</a:t>
+                      </a:r>
+                    </a:p>
+                  </a:txBody>
+                  <a:tcPr marL="8016" marR="8016" marT="8016" marB="0" anchor="ctr"/>
+                </a:tc>
+                <a:tc>
+                  <a:txBody>
+                    <a:bodyPr/>
+                    <a:lstStyle/>
+                    <a:p>
+                      <a:pPr algn="ctr" fontAlgn="b">
+                        <a:buNone/>
+                      </a:pPr>
+                      <a:r>
+                        <a:rPr lang="en-IN" sz="1600"/>
+                        <a:t>0.569254</a:t>
+                      </a:r>
+                    </a:p>
+                  </a:txBody>
+                  <a:tcPr marL="8016" marR="8016" marT="8016" marB="0" anchor="ctr"/>
+                </a:tc>
+                <a:tc>
+                  <a:txBody>
+                    <a:bodyPr/>
+                    <a:lstStyle/>
+                    <a:p>
+                      <a:pPr algn="ctr" fontAlgn="b">
+                        <a:buNone/>
+                      </a:pPr>
+                      <a:r>
+                        <a:rPr lang="en-IN" sz="1600"/>
+                        <a:t>0.535734</a:t>
+                      </a:r>
+                    </a:p>
+                  </a:txBody>
+                  <a:tcPr marL="8016" marR="8016" marT="8016" marB="0" anchor="ctr"/>
+                </a:tc>
+                <a:extLst>
+                  <a:ext uri="{0D108BD9-81ED-4DB2-BD59-A6C34878D82A}">
+                    <a16:rowId xmlns:a16="http://schemas.microsoft.com/office/drawing/2014/main" val="249280706"/>
+                  </a:ext>
+                </a:extLst>
+              </a:tr>
+              <a:tr h="258610">
+                <a:tc>
+                  <a:txBody>
+                    <a:bodyPr/>
+                    <a:lstStyle/>
+                    <a:p>
+                      <a:pPr algn="ctr" fontAlgn="b">
+                        <a:buNone/>
+                      </a:pPr>
+                      <a:r>
+                        <a:rPr lang="en-IN" sz="1600" dirty="0" err="1"/>
+                        <a:t>LinearRegression</a:t>
+                      </a:r>
+                      <a:endParaRPr lang="en-IN" sz="1600" dirty="0"/>
+                    </a:p>
+                  </a:txBody>
+                  <a:tcPr marL="8016" marR="8016" marT="8016" marB="0" anchor="ctr"/>
+                </a:tc>
+                <a:tc>
+                  <a:txBody>
+                    <a:bodyPr/>
+                    <a:lstStyle/>
+                    <a:p>
+                      <a:pPr algn="ctr" fontAlgn="b">
+                        <a:buNone/>
+                      </a:pPr>
+                      <a:r>
+                        <a:rPr lang="en-IN" sz="1600"/>
+                        <a:t>length_mie</a:t>
+                      </a:r>
+                    </a:p>
+                  </a:txBody>
+                  <a:tcPr marL="8016" marR="8016" marT="8016" marB="0" anchor="ctr"/>
+                </a:tc>
+                <a:tc>
+                  <a:txBody>
+                    <a:bodyPr/>
+                    <a:lstStyle/>
+                    <a:p>
+                      <a:pPr algn="ctr" fontAlgn="b">
+                        <a:buNone/>
+                      </a:pPr>
+                      <a:r>
+                        <a:rPr lang="en-IN" sz="1600"/>
+                        <a:t>0.938614</a:t>
+                      </a:r>
+                    </a:p>
+                  </a:txBody>
+                  <a:tcPr marL="8016" marR="8016" marT="8016" marB="0" anchor="ctr"/>
+                </a:tc>
+                <a:tc>
+                  <a:txBody>
+                    <a:bodyPr/>
+                    <a:lstStyle/>
+                    <a:p>
+                      <a:pPr algn="ctr" fontAlgn="b">
+                        <a:buNone/>
+                      </a:pPr>
+                      <a:r>
+                        <a:rPr lang="en-IN" sz="1600"/>
+                        <a:t>9.39516</a:t>
+                      </a:r>
+                    </a:p>
+                  </a:txBody>
+                  <a:tcPr marL="8016" marR="8016" marT="8016" marB="0" anchor="ctr"/>
+                </a:tc>
+                <a:tc>
+                  <a:txBody>
+                    <a:bodyPr/>
+                    <a:lstStyle/>
+                    <a:p>
+                      <a:pPr algn="ctr" fontAlgn="b">
+                        <a:buNone/>
+                      </a:pPr>
+                      <a:r>
+                        <a:rPr lang="en-IN" sz="1600"/>
+                        <a:t>167.0818</a:t>
+                      </a:r>
+                    </a:p>
+                  </a:txBody>
+                  <a:tcPr marL="8016" marR="8016" marT="8016" marB="0" anchor="ctr"/>
+                </a:tc>
+                <a:extLst>
+                  <a:ext uri="{0D108BD9-81ED-4DB2-BD59-A6C34878D82A}">
+                    <a16:rowId xmlns:a16="http://schemas.microsoft.com/office/drawing/2014/main" val="1077885150"/>
+                  </a:ext>
+                </a:extLst>
+              </a:tr>
+              <a:tr h="258610">
+                <a:tc>
+                  <a:txBody>
+                    <a:bodyPr/>
+                    <a:lstStyle/>
+                    <a:p>
+                      <a:pPr algn="ctr" fontAlgn="b">
+                        <a:buNone/>
+                      </a:pPr>
+                      <a:r>
+                        <a:rPr lang="en-IN" sz="1600" dirty="0" err="1"/>
+                        <a:t>LinearRegression</a:t>
+                      </a:r>
+                      <a:endParaRPr lang="en-IN" sz="1600" dirty="0"/>
+                    </a:p>
+                  </a:txBody>
+                  <a:tcPr marL="8016" marR="8016" marT="8016" marB="0" anchor="ctr"/>
+                </a:tc>
+                <a:tc>
+                  <a:txBody>
+                    <a:bodyPr/>
+                    <a:lstStyle/>
+                    <a:p>
+                      <a:pPr algn="ctr" fontAlgn="b">
+                        <a:buNone/>
+                      </a:pPr>
+                      <a:r>
+                        <a:rPr lang="en-IN" sz="1600" dirty="0" err="1"/>
+                        <a:t>angle_shadow</a:t>
+                      </a:r>
+                      <a:endParaRPr lang="en-IN" sz="1600" dirty="0"/>
+                    </a:p>
+                  </a:txBody>
+                  <a:tcPr marL="8016" marR="8016" marT="8016" marB="0" anchor="ctr"/>
+                </a:tc>
+                <a:tc>
+                  <a:txBody>
+                    <a:bodyPr/>
+                    <a:lstStyle/>
+                    <a:p>
+                      <a:pPr algn="ctr" fontAlgn="b">
+                        <a:buNone/>
+                      </a:pPr>
+                      <a:r>
+                        <a:rPr lang="en-IN" sz="1600"/>
+                        <a:t>0.790514</a:t>
+                      </a:r>
+                    </a:p>
+                  </a:txBody>
+                  <a:tcPr marL="8016" marR="8016" marT="8016" marB="0" anchor="ctr"/>
+                </a:tc>
+                <a:tc>
+                  <a:txBody>
+                    <a:bodyPr/>
+                    <a:lstStyle/>
+                    <a:p>
+                      <a:pPr algn="ctr" fontAlgn="b">
+                        <a:buNone/>
+                      </a:pPr>
+                      <a:r>
+                        <a:rPr lang="en-IN" sz="1600"/>
+                        <a:t>0.424916</a:t>
+                      </a:r>
+                    </a:p>
+                  </a:txBody>
+                  <a:tcPr marL="8016" marR="8016" marT="8016" marB="0" anchor="ctr"/>
+                </a:tc>
+                <a:tc>
+                  <a:txBody>
+                    <a:bodyPr/>
+                    <a:lstStyle/>
+                    <a:p>
+                      <a:pPr algn="ctr" fontAlgn="b">
+                        <a:buNone/>
+                      </a:pPr>
+                      <a:r>
+                        <a:rPr lang="en-IN" sz="1600"/>
+                        <a:t>0.298768</a:t>
+                      </a:r>
+                    </a:p>
+                  </a:txBody>
+                  <a:tcPr marL="8016" marR="8016" marT="8016" marB="0" anchor="ctr"/>
+                </a:tc>
+                <a:extLst>
+                  <a:ext uri="{0D108BD9-81ED-4DB2-BD59-A6C34878D82A}">
+                    <a16:rowId xmlns:a16="http://schemas.microsoft.com/office/drawing/2014/main" val="3186784383"/>
+                  </a:ext>
+                </a:extLst>
+              </a:tr>
+              <a:tr h="258610">
+                <a:tc>
+                  <a:txBody>
+                    <a:bodyPr/>
+                    <a:lstStyle/>
+                    <a:p>
+                      <a:pPr algn="ctr" fontAlgn="b">
+                        <a:buNone/>
+                      </a:pPr>
+                      <a:r>
+                        <a:rPr lang="en-IN" sz="1600" dirty="0" err="1"/>
+                        <a:t>LinearRegression</a:t>
+                      </a:r>
+                      <a:endParaRPr lang="en-IN" sz="1600" dirty="0"/>
+                    </a:p>
+                  </a:txBody>
+                  <a:tcPr marL="8016" marR="8016" marT="8016" marB="0" anchor="ctr"/>
+                </a:tc>
+                <a:tc>
+                  <a:txBody>
+                    <a:bodyPr/>
+                    <a:lstStyle/>
+                    <a:p>
+                      <a:pPr algn="ctr" fontAlgn="b">
+                        <a:buNone/>
+                      </a:pPr>
+                      <a:r>
+                        <a:rPr lang="en-IN" sz="1600" dirty="0" err="1"/>
+                        <a:t>length_shadow</a:t>
+                      </a:r>
+                      <a:endParaRPr lang="en-IN" sz="1600" dirty="0"/>
+                    </a:p>
+                  </a:txBody>
+                  <a:tcPr marL="8016" marR="8016" marT="8016" marB="0" anchor="ctr"/>
+                </a:tc>
+                <a:tc>
+                  <a:txBody>
+                    <a:bodyPr/>
+                    <a:lstStyle/>
+                    <a:p>
+                      <a:pPr algn="ctr" fontAlgn="b">
+                        <a:buNone/>
+                      </a:pPr>
+                      <a:r>
+                        <a:rPr lang="en-IN" sz="1600"/>
+                        <a:t>0.950467</a:t>
+                      </a:r>
+                    </a:p>
+                  </a:txBody>
+                  <a:tcPr marL="8016" marR="8016" marT="8016" marB="0" anchor="ctr"/>
+                </a:tc>
+                <a:tc>
+                  <a:txBody>
+                    <a:bodyPr/>
+                    <a:lstStyle/>
+                    <a:p>
+                      <a:pPr algn="ctr" fontAlgn="b">
+                        <a:buNone/>
+                      </a:pPr>
+                      <a:r>
+                        <a:rPr lang="en-IN" sz="1600"/>
+                        <a:t>8.728603</a:t>
+                      </a:r>
+                    </a:p>
+                  </a:txBody>
+                  <a:tcPr marL="8016" marR="8016" marT="8016" marB="0" anchor="ctr"/>
+                </a:tc>
+                <a:tc>
+                  <a:txBody>
+                    <a:bodyPr/>
+                    <a:lstStyle/>
+                    <a:p>
+                      <a:pPr algn="ctr" fontAlgn="b">
+                        <a:buNone/>
+                      </a:pPr>
+                      <a:r>
+                        <a:rPr lang="en-IN" sz="1600"/>
+                        <a:t>145.2497</a:t>
+                      </a:r>
+                    </a:p>
+                  </a:txBody>
+                  <a:tcPr marL="8016" marR="8016" marT="8016" marB="0" anchor="ctr"/>
+                </a:tc>
+                <a:extLst>
+                  <a:ext uri="{0D108BD9-81ED-4DB2-BD59-A6C34878D82A}">
+                    <a16:rowId xmlns:a16="http://schemas.microsoft.com/office/drawing/2014/main" val="2168360821"/>
+                  </a:ext>
+                </a:extLst>
+              </a:tr>
+              <a:tr h="258610">
+                <a:tc>
+                  <a:txBody>
+                    <a:bodyPr/>
+                    <a:lstStyle/>
+                    <a:p>
+                      <a:pPr algn="ctr" fontAlgn="b">
+                        <a:buNone/>
+                      </a:pPr>
+                      <a:r>
+                        <a:rPr lang="en-IN" sz="1600"/>
+                        <a:t>DecisionTree</a:t>
+                      </a:r>
+                    </a:p>
+                  </a:txBody>
+                  <a:tcPr marL="8016" marR="8016" marT="8016" marB="0" anchor="ctr"/>
+                </a:tc>
+                <a:tc>
+                  <a:txBody>
+                    <a:bodyPr/>
+                    <a:lstStyle/>
+                    <a:p>
+                      <a:pPr algn="ctr" fontAlgn="b">
+                        <a:buNone/>
+                      </a:pPr>
+                      <a:r>
+                        <a:rPr lang="en-IN" sz="1600"/>
+                        <a:t>angle_mie</a:t>
+                      </a:r>
+                    </a:p>
+                  </a:txBody>
+                  <a:tcPr marL="8016" marR="8016" marT="8016" marB="0" anchor="ctr"/>
+                </a:tc>
+                <a:tc>
+                  <a:txBody>
+                    <a:bodyPr/>
+                    <a:lstStyle/>
+                    <a:p>
+                      <a:pPr algn="ctr" fontAlgn="b">
+                        <a:buNone/>
+                      </a:pPr>
+                      <a:r>
+                        <a:rPr lang="en-IN" sz="1600"/>
+                        <a:t>0.987761</a:t>
+                      </a:r>
+                    </a:p>
+                  </a:txBody>
+                  <a:tcPr marL="8016" marR="8016" marT="8016" marB="0" anchor="ctr"/>
+                </a:tc>
+                <a:tc>
+                  <a:txBody>
+                    <a:bodyPr/>
+                    <a:lstStyle/>
+                    <a:p>
+                      <a:pPr algn="ctr" fontAlgn="b">
+                        <a:buNone/>
+                      </a:pPr>
+                      <a:r>
+                        <a:rPr lang="en-IN" sz="1600"/>
+                        <a:t>0.044399</a:t>
+                      </a:r>
+                    </a:p>
+                  </a:txBody>
+                  <a:tcPr marL="8016" marR="8016" marT="8016" marB="0" anchor="ctr"/>
+                </a:tc>
+                <a:tc>
+                  <a:txBody>
+                    <a:bodyPr/>
+                    <a:lstStyle/>
+                    <a:p>
+                      <a:pPr algn="ctr" fontAlgn="b">
+                        <a:buNone/>
+                      </a:pPr>
+                      <a:r>
+                        <a:rPr lang="en-IN" sz="1600"/>
+                        <a:t>0.0191</a:t>
+                      </a:r>
+                    </a:p>
+                  </a:txBody>
+                  <a:tcPr marL="8016" marR="8016" marT="8016" marB="0" anchor="ctr"/>
+                </a:tc>
+                <a:extLst>
+                  <a:ext uri="{0D108BD9-81ED-4DB2-BD59-A6C34878D82A}">
+                    <a16:rowId xmlns:a16="http://schemas.microsoft.com/office/drawing/2014/main" val="3642504839"/>
+                  </a:ext>
+                </a:extLst>
+              </a:tr>
+              <a:tr h="258610">
+                <a:tc>
+                  <a:txBody>
+                    <a:bodyPr/>
+                    <a:lstStyle/>
+                    <a:p>
+                      <a:pPr algn="ctr" fontAlgn="b">
+                        <a:buNone/>
+                      </a:pPr>
+                      <a:r>
+                        <a:rPr lang="en-IN" sz="1600"/>
+                        <a:t>DecisionTree</a:t>
+                      </a:r>
+                    </a:p>
+                  </a:txBody>
+                  <a:tcPr marL="8016" marR="8016" marT="8016" marB="0" anchor="ctr"/>
+                </a:tc>
+                <a:tc>
+                  <a:txBody>
+                    <a:bodyPr/>
+                    <a:lstStyle/>
+                    <a:p>
+                      <a:pPr algn="ctr" fontAlgn="b">
+                        <a:buNone/>
+                      </a:pPr>
+                      <a:r>
+                        <a:rPr lang="en-IN" sz="1600" dirty="0" err="1"/>
+                        <a:t>length_mie</a:t>
+                      </a:r>
+                      <a:endParaRPr lang="en-IN" sz="1600" dirty="0"/>
+                    </a:p>
+                  </a:txBody>
+                  <a:tcPr marL="8016" marR="8016" marT="8016" marB="0" anchor="ctr"/>
+                </a:tc>
+                <a:tc>
+                  <a:txBody>
+                    <a:bodyPr/>
+                    <a:lstStyle/>
+                    <a:p>
+                      <a:pPr algn="ctr" fontAlgn="b">
+                        <a:buNone/>
+                      </a:pPr>
+                      <a:r>
+                        <a:rPr lang="en-IN" sz="1600"/>
+                        <a:t>0.996518</a:t>
+                      </a:r>
+                    </a:p>
+                  </a:txBody>
+                  <a:tcPr marL="8016" marR="8016" marT="8016" marB="0" anchor="ctr"/>
+                </a:tc>
+                <a:tc>
+                  <a:txBody>
+                    <a:bodyPr/>
+                    <a:lstStyle/>
+                    <a:p>
+                      <a:pPr algn="ctr" fontAlgn="b">
+                        <a:buNone/>
+                      </a:pPr>
+                      <a:r>
+                        <a:rPr lang="en-IN" sz="1600"/>
+                        <a:t>2.280267</a:t>
+                      </a:r>
+                    </a:p>
+                  </a:txBody>
+                  <a:tcPr marL="8016" marR="8016" marT="8016" marB="0" anchor="ctr"/>
+                </a:tc>
+                <a:tc>
+                  <a:txBody>
+                    <a:bodyPr/>
+                    <a:lstStyle/>
+                    <a:p>
+                      <a:pPr algn="ctr" fontAlgn="b">
+                        <a:buNone/>
+                      </a:pPr>
+                      <a:r>
+                        <a:rPr lang="en-IN" sz="1600"/>
+                        <a:t>9.478453</a:t>
+                      </a:r>
+                    </a:p>
+                  </a:txBody>
+                  <a:tcPr marL="8016" marR="8016" marT="8016" marB="0" anchor="ctr"/>
+                </a:tc>
+                <a:extLst>
+                  <a:ext uri="{0D108BD9-81ED-4DB2-BD59-A6C34878D82A}">
+                    <a16:rowId xmlns:a16="http://schemas.microsoft.com/office/drawing/2014/main" val="2668080126"/>
+                  </a:ext>
+                </a:extLst>
+              </a:tr>
+              <a:tr h="258610">
+                <a:tc>
+                  <a:txBody>
+                    <a:bodyPr/>
+                    <a:lstStyle/>
+                    <a:p>
+                      <a:pPr algn="ctr" fontAlgn="b">
+                        <a:buNone/>
+                      </a:pPr>
+                      <a:r>
+                        <a:rPr lang="en-IN" sz="1600"/>
+                        <a:t>DecisionTree</a:t>
+                      </a:r>
+                    </a:p>
+                  </a:txBody>
+                  <a:tcPr marL="8016" marR="8016" marT="8016" marB="0" anchor="ctr"/>
+                </a:tc>
+                <a:tc>
+                  <a:txBody>
+                    <a:bodyPr/>
+                    <a:lstStyle/>
+                    <a:p>
+                      <a:pPr algn="ctr" fontAlgn="b">
+                        <a:buNone/>
+                      </a:pPr>
+                      <a:r>
+                        <a:rPr lang="en-IN" sz="1600" dirty="0" err="1"/>
+                        <a:t>angle_shadow</a:t>
+                      </a:r>
+                      <a:endParaRPr lang="en-IN" sz="1600" dirty="0"/>
+                    </a:p>
+                  </a:txBody>
+                  <a:tcPr marL="8016" marR="8016" marT="8016" marB="0" anchor="ctr"/>
+                </a:tc>
+                <a:tc>
+                  <a:txBody>
+                    <a:bodyPr/>
+                    <a:lstStyle/>
+                    <a:p>
+                      <a:pPr algn="ctr" fontAlgn="b">
+                        <a:buNone/>
+                      </a:pPr>
+                      <a:r>
+                        <a:rPr lang="en-IN" sz="1600"/>
+                        <a:t>0.992672</a:t>
+                      </a:r>
+                    </a:p>
+                  </a:txBody>
+                  <a:tcPr marL="8016" marR="8016" marT="8016" marB="0" anchor="ctr"/>
+                </a:tc>
+                <a:tc>
+                  <a:txBody>
+                    <a:bodyPr/>
+                    <a:lstStyle/>
+                    <a:p>
+                      <a:pPr algn="ctr" fontAlgn="b">
+                        <a:buNone/>
+                      </a:pPr>
+                      <a:r>
+                        <a:rPr lang="en-IN" sz="1600"/>
+                        <a:t>0.059458</a:t>
+                      </a:r>
+                    </a:p>
+                  </a:txBody>
+                  <a:tcPr marL="8016" marR="8016" marT="8016" marB="0" anchor="ctr"/>
+                </a:tc>
+                <a:tc>
+                  <a:txBody>
+                    <a:bodyPr/>
+                    <a:lstStyle/>
+                    <a:p>
+                      <a:pPr algn="ctr" fontAlgn="b">
+                        <a:buNone/>
+                      </a:pPr>
+                      <a:r>
+                        <a:rPr lang="en-IN" sz="1600"/>
+                        <a:t>0.010451</a:t>
+                      </a:r>
+                    </a:p>
+                  </a:txBody>
+                  <a:tcPr marL="8016" marR="8016" marT="8016" marB="0" anchor="ctr"/>
+                </a:tc>
+                <a:extLst>
+                  <a:ext uri="{0D108BD9-81ED-4DB2-BD59-A6C34878D82A}">
+                    <a16:rowId xmlns:a16="http://schemas.microsoft.com/office/drawing/2014/main" val="864792067"/>
+                  </a:ext>
+                </a:extLst>
+              </a:tr>
+              <a:tr h="258610">
+                <a:tc>
+                  <a:txBody>
+                    <a:bodyPr/>
+                    <a:lstStyle/>
+                    <a:p>
+                      <a:pPr algn="ctr" fontAlgn="b">
+                        <a:buNone/>
+                      </a:pPr>
+                      <a:r>
+                        <a:rPr lang="en-IN" sz="1600"/>
+                        <a:t>DecisionTree</a:t>
+                      </a:r>
+                    </a:p>
+                  </a:txBody>
+                  <a:tcPr marL="8016" marR="8016" marT="8016" marB="0" anchor="ctr"/>
+                </a:tc>
+                <a:tc>
+                  <a:txBody>
+                    <a:bodyPr/>
+                    <a:lstStyle/>
+                    <a:p>
+                      <a:pPr algn="ctr" fontAlgn="b">
+                        <a:buNone/>
+                      </a:pPr>
+                      <a:r>
+                        <a:rPr lang="en-IN" sz="1600" dirty="0" err="1"/>
+                        <a:t>length_shadow</a:t>
+                      </a:r>
+                      <a:endParaRPr lang="en-IN" sz="1600" dirty="0"/>
+                    </a:p>
+                  </a:txBody>
+                  <a:tcPr marL="8016" marR="8016" marT="8016" marB="0" anchor="ctr"/>
+                </a:tc>
+                <a:tc>
+                  <a:txBody>
+                    <a:bodyPr/>
+                    <a:lstStyle/>
+                    <a:p>
+                      <a:pPr algn="ctr" fontAlgn="b">
+                        <a:buNone/>
+                      </a:pPr>
+                      <a:r>
+                        <a:rPr lang="en-IN" sz="1600"/>
+                        <a:t>0.997575</a:t>
+                      </a:r>
+                    </a:p>
+                  </a:txBody>
+                  <a:tcPr marL="8016" marR="8016" marT="8016" marB="0" anchor="ctr"/>
+                </a:tc>
+                <a:tc>
+                  <a:txBody>
+                    <a:bodyPr/>
+                    <a:lstStyle/>
+                    <a:p>
+                      <a:pPr algn="ctr" fontAlgn="b">
+                        <a:buNone/>
+                      </a:pPr>
+                      <a:r>
+                        <a:rPr lang="en-IN" sz="1600"/>
+                        <a:t>2.043103</a:t>
+                      </a:r>
+                    </a:p>
+                  </a:txBody>
+                  <a:tcPr marL="8016" marR="8016" marT="8016" marB="0" anchor="ctr"/>
+                </a:tc>
+                <a:tc>
+                  <a:txBody>
+                    <a:bodyPr/>
+                    <a:lstStyle/>
+                    <a:p>
+                      <a:pPr algn="ctr" fontAlgn="b">
+                        <a:buNone/>
+                      </a:pPr>
+                      <a:r>
+                        <a:rPr lang="en-IN" sz="1600"/>
+                        <a:t>7.112309</a:t>
+                      </a:r>
+                    </a:p>
+                  </a:txBody>
+                  <a:tcPr marL="8016" marR="8016" marT="8016" marB="0" anchor="ctr"/>
+                </a:tc>
+                <a:extLst>
+                  <a:ext uri="{0D108BD9-81ED-4DB2-BD59-A6C34878D82A}">
+                    <a16:rowId xmlns:a16="http://schemas.microsoft.com/office/drawing/2014/main" val="3506647551"/>
+                  </a:ext>
+                </a:extLst>
+              </a:tr>
+              <a:tr h="258610">
+                <a:tc>
+                  <a:txBody>
+                    <a:bodyPr/>
+                    <a:lstStyle/>
+                    <a:p>
+                      <a:pPr algn="ctr" fontAlgn="b">
+                        <a:buNone/>
+                      </a:pPr>
+                      <a:r>
+                        <a:rPr lang="en-IN" sz="1600"/>
+                        <a:t>RandomForest</a:t>
+                      </a:r>
+                    </a:p>
+                  </a:txBody>
+                  <a:tcPr marL="8016" marR="8016" marT="8016" marB="0" anchor="ctr"/>
+                </a:tc>
+                <a:tc>
+                  <a:txBody>
+                    <a:bodyPr/>
+                    <a:lstStyle/>
+                    <a:p>
+                      <a:pPr algn="ctr" fontAlgn="b">
+                        <a:buNone/>
+                      </a:pPr>
+                      <a:r>
+                        <a:rPr lang="en-IN" sz="1600"/>
+                        <a:t>angle_mie</a:t>
+                      </a:r>
+                    </a:p>
+                  </a:txBody>
+                  <a:tcPr marL="8016" marR="8016" marT="8016" marB="0" anchor="ctr"/>
+                </a:tc>
+                <a:tc>
+                  <a:txBody>
+                    <a:bodyPr/>
+                    <a:lstStyle/>
+                    <a:p>
+                      <a:pPr algn="ctr" fontAlgn="b">
+                        <a:buNone/>
+                      </a:pPr>
+                      <a:r>
+                        <a:rPr lang="en-IN" sz="1600"/>
+                        <a:t>0.982864</a:t>
+                      </a:r>
+                    </a:p>
+                  </a:txBody>
+                  <a:tcPr marL="8016" marR="8016" marT="8016" marB="0" anchor="ctr"/>
+                </a:tc>
+                <a:tc>
+                  <a:txBody>
+                    <a:bodyPr/>
+                    <a:lstStyle/>
+                    <a:p>
+                      <a:pPr algn="ctr" fontAlgn="b">
+                        <a:buNone/>
+                      </a:pPr>
+                      <a:r>
+                        <a:rPr lang="en-IN" sz="1600"/>
+                        <a:t>0.104176</a:t>
+                      </a:r>
+                    </a:p>
+                  </a:txBody>
+                  <a:tcPr marL="8016" marR="8016" marT="8016" marB="0" anchor="ctr"/>
+                </a:tc>
+                <a:tc>
+                  <a:txBody>
+                    <a:bodyPr/>
+                    <a:lstStyle/>
+                    <a:p>
+                      <a:pPr algn="ctr" fontAlgn="b">
+                        <a:buNone/>
+                      </a:pPr>
+                      <a:r>
+                        <a:rPr lang="en-IN" sz="1600"/>
+                        <a:t>0.026742</a:t>
+                      </a:r>
+                    </a:p>
+                  </a:txBody>
+                  <a:tcPr marL="8016" marR="8016" marT="8016" marB="0" anchor="ctr"/>
+                </a:tc>
+                <a:extLst>
+                  <a:ext uri="{0D108BD9-81ED-4DB2-BD59-A6C34878D82A}">
+                    <a16:rowId xmlns:a16="http://schemas.microsoft.com/office/drawing/2014/main" val="979714368"/>
+                  </a:ext>
+                </a:extLst>
+              </a:tr>
+              <a:tr h="258610">
+                <a:tc>
+                  <a:txBody>
+                    <a:bodyPr/>
+                    <a:lstStyle/>
+                    <a:p>
+                      <a:pPr algn="ctr" fontAlgn="b">
+                        <a:buNone/>
+                      </a:pPr>
+                      <a:r>
+                        <a:rPr lang="en-IN" sz="1600"/>
+                        <a:t>RandomForest</a:t>
+                      </a:r>
+                    </a:p>
+                  </a:txBody>
+                  <a:tcPr marL="8016" marR="8016" marT="8016" marB="0" anchor="ctr"/>
+                </a:tc>
+                <a:tc>
+                  <a:txBody>
+                    <a:bodyPr/>
+                    <a:lstStyle/>
+                    <a:p>
+                      <a:pPr algn="ctr" fontAlgn="b">
+                        <a:buNone/>
+                      </a:pPr>
+                      <a:r>
+                        <a:rPr lang="en-IN" sz="1600"/>
+                        <a:t>length_mie</a:t>
+                      </a:r>
+                    </a:p>
+                  </a:txBody>
+                  <a:tcPr marL="8016" marR="8016" marT="8016" marB="0" anchor="ctr"/>
+                </a:tc>
+                <a:tc>
+                  <a:txBody>
+                    <a:bodyPr/>
+                    <a:lstStyle/>
+                    <a:p>
+                      <a:pPr algn="ctr" fontAlgn="b">
+                        <a:buNone/>
+                      </a:pPr>
+                      <a:r>
+                        <a:rPr lang="en-IN" sz="1600"/>
+                        <a:t>0.985769</a:t>
+                      </a:r>
+                    </a:p>
+                  </a:txBody>
+                  <a:tcPr marL="8016" marR="8016" marT="8016" marB="0" anchor="ctr"/>
+                </a:tc>
+                <a:tc>
+                  <a:txBody>
+                    <a:bodyPr/>
+                    <a:lstStyle/>
+                    <a:p>
+                      <a:pPr algn="ctr" fontAlgn="b">
+                        <a:buNone/>
+                      </a:pPr>
+                      <a:r>
+                        <a:rPr lang="en-IN" sz="1600"/>
+                        <a:t>4.251561</a:t>
+                      </a:r>
+                    </a:p>
+                  </a:txBody>
+                  <a:tcPr marL="8016" marR="8016" marT="8016" marB="0" anchor="ctr"/>
+                </a:tc>
+                <a:tc>
+                  <a:txBody>
+                    <a:bodyPr/>
+                    <a:lstStyle/>
+                    <a:p>
+                      <a:pPr algn="ctr" fontAlgn="b">
+                        <a:buNone/>
+                      </a:pPr>
+                      <a:r>
+                        <a:rPr lang="en-IN" sz="1600"/>
+                        <a:t>38.73477</a:t>
+                      </a:r>
+                    </a:p>
+                  </a:txBody>
+                  <a:tcPr marL="8016" marR="8016" marT="8016" marB="0" anchor="ctr"/>
+                </a:tc>
+                <a:extLst>
+                  <a:ext uri="{0D108BD9-81ED-4DB2-BD59-A6C34878D82A}">
+                    <a16:rowId xmlns:a16="http://schemas.microsoft.com/office/drawing/2014/main" val="1714543524"/>
+                  </a:ext>
+                </a:extLst>
+              </a:tr>
+              <a:tr h="258610">
+                <a:tc>
+                  <a:txBody>
+                    <a:bodyPr/>
+                    <a:lstStyle/>
+                    <a:p>
+                      <a:pPr algn="ctr" fontAlgn="b">
+                        <a:buNone/>
+                      </a:pPr>
+                      <a:r>
+                        <a:rPr lang="en-IN" sz="1600"/>
+                        <a:t>RandomForest</a:t>
+                      </a:r>
+                    </a:p>
+                  </a:txBody>
+                  <a:tcPr marL="8016" marR="8016" marT="8016" marB="0" anchor="ctr"/>
+                </a:tc>
+                <a:tc>
+                  <a:txBody>
+                    <a:bodyPr/>
+                    <a:lstStyle/>
+                    <a:p>
+                      <a:pPr algn="ctr" fontAlgn="b">
+                        <a:buNone/>
+                      </a:pPr>
+                      <a:r>
+                        <a:rPr lang="en-IN" sz="1600"/>
+                        <a:t>angle_shadow</a:t>
+                      </a:r>
+                    </a:p>
+                  </a:txBody>
+                  <a:tcPr marL="8016" marR="8016" marT="8016" marB="0" anchor="ctr"/>
+                </a:tc>
+                <a:tc>
+                  <a:txBody>
+                    <a:bodyPr/>
+                    <a:lstStyle/>
+                    <a:p>
+                      <a:pPr algn="ctr" fontAlgn="b">
+                        <a:buNone/>
+                      </a:pPr>
+                      <a:r>
+                        <a:rPr lang="en-IN" sz="1600"/>
+                        <a:t>0.978371</a:t>
+                      </a:r>
+                    </a:p>
+                  </a:txBody>
+                  <a:tcPr marL="8016" marR="8016" marT="8016" marB="0" anchor="ctr"/>
+                </a:tc>
+                <a:tc>
+                  <a:txBody>
+                    <a:bodyPr/>
+                    <a:lstStyle/>
+                    <a:p>
+                      <a:pPr algn="ctr" fontAlgn="b">
+                        <a:buNone/>
+                      </a:pPr>
+                      <a:r>
+                        <a:rPr lang="en-IN" sz="1600"/>
+                        <a:t>0.121515</a:t>
+                      </a:r>
+                    </a:p>
+                  </a:txBody>
+                  <a:tcPr marL="8016" marR="8016" marT="8016" marB="0" anchor="ctr"/>
+                </a:tc>
+                <a:tc>
+                  <a:txBody>
+                    <a:bodyPr/>
+                    <a:lstStyle/>
+                    <a:p>
+                      <a:pPr algn="ctr" fontAlgn="b">
+                        <a:buNone/>
+                      </a:pPr>
+                      <a:r>
+                        <a:rPr lang="en-IN" sz="1600"/>
+                        <a:t>0.030847</a:t>
+                      </a:r>
+                    </a:p>
+                  </a:txBody>
+                  <a:tcPr marL="8016" marR="8016" marT="8016" marB="0" anchor="ctr"/>
+                </a:tc>
+                <a:extLst>
+                  <a:ext uri="{0D108BD9-81ED-4DB2-BD59-A6C34878D82A}">
+                    <a16:rowId xmlns:a16="http://schemas.microsoft.com/office/drawing/2014/main" val="716325499"/>
+                  </a:ext>
+                </a:extLst>
+              </a:tr>
+              <a:tr h="258610">
+                <a:tc>
+                  <a:txBody>
+                    <a:bodyPr/>
+                    <a:lstStyle/>
+                    <a:p>
+                      <a:pPr algn="ctr" fontAlgn="b">
+                        <a:buNone/>
+                      </a:pPr>
+                      <a:r>
+                        <a:rPr lang="en-IN" sz="1600"/>
+                        <a:t>RandomForest</a:t>
+                      </a:r>
+                    </a:p>
+                  </a:txBody>
+                  <a:tcPr marL="8016" marR="8016" marT="8016" marB="0" anchor="ctr"/>
+                </a:tc>
+                <a:tc>
+                  <a:txBody>
+                    <a:bodyPr/>
+                    <a:lstStyle/>
+                    <a:p>
+                      <a:pPr algn="ctr" fontAlgn="b">
+                        <a:buNone/>
+                      </a:pPr>
+                      <a:r>
+                        <a:rPr lang="en-IN" sz="1600" dirty="0" err="1"/>
+                        <a:t>length_shadow</a:t>
+                      </a:r>
+                      <a:endParaRPr lang="en-IN" sz="1600" dirty="0"/>
+                    </a:p>
+                  </a:txBody>
+                  <a:tcPr marL="8016" marR="8016" marT="8016" marB="0" anchor="ctr"/>
+                </a:tc>
+                <a:tc>
+                  <a:txBody>
+                    <a:bodyPr/>
+                    <a:lstStyle/>
+                    <a:p>
+                      <a:pPr algn="ctr" fontAlgn="b">
+                        <a:buNone/>
+                      </a:pPr>
+                      <a:r>
+                        <a:rPr lang="en-IN" sz="1600"/>
+                        <a:t>0.984952</a:t>
+                      </a:r>
+                    </a:p>
+                  </a:txBody>
+                  <a:tcPr marL="8016" marR="8016" marT="8016" marB="0" anchor="ctr"/>
+                </a:tc>
+                <a:tc>
+                  <a:txBody>
+                    <a:bodyPr/>
+                    <a:lstStyle/>
+                    <a:p>
+                      <a:pPr algn="ctr" fontAlgn="b">
+                        <a:buNone/>
+                      </a:pPr>
+                      <a:r>
+                        <a:rPr lang="en-IN" sz="1600"/>
+                        <a:t>4.351215</a:t>
+                      </a:r>
+                    </a:p>
+                  </a:txBody>
+                  <a:tcPr marL="8016" marR="8016" marT="8016" marB="0" anchor="ctr"/>
+                </a:tc>
+                <a:tc>
+                  <a:txBody>
+                    <a:bodyPr/>
+                    <a:lstStyle/>
+                    <a:p>
+                      <a:pPr algn="ctr" fontAlgn="b">
+                        <a:buNone/>
+                      </a:pPr>
+                      <a:r>
+                        <a:rPr lang="en-IN" sz="1600"/>
+                        <a:t>44.12774</a:t>
+                      </a:r>
+                    </a:p>
+                  </a:txBody>
+                  <a:tcPr marL="8016" marR="8016" marT="8016" marB="0" anchor="ctr"/>
+                </a:tc>
+                <a:extLst>
+                  <a:ext uri="{0D108BD9-81ED-4DB2-BD59-A6C34878D82A}">
+                    <a16:rowId xmlns:a16="http://schemas.microsoft.com/office/drawing/2014/main" val="295145619"/>
+                  </a:ext>
+                </a:extLst>
+              </a:tr>
+              <a:tr h="258610">
+                <a:tc>
+                  <a:txBody>
+                    <a:bodyPr/>
+                    <a:lstStyle/>
+                    <a:p>
+                      <a:pPr algn="ctr" fontAlgn="b">
+                        <a:buNone/>
+                      </a:pPr>
+                      <a:r>
+                        <a:rPr lang="en-IN" sz="1600"/>
+                        <a:t>SVR</a:t>
+                      </a:r>
+                    </a:p>
+                  </a:txBody>
+                  <a:tcPr marL="8016" marR="8016" marT="8016" marB="0" anchor="ctr"/>
+                </a:tc>
+                <a:tc>
+                  <a:txBody>
+                    <a:bodyPr/>
+                    <a:lstStyle/>
+                    <a:p>
+                      <a:pPr algn="ctr" fontAlgn="b">
+                        <a:buNone/>
+                      </a:pPr>
+                      <a:r>
+                        <a:rPr lang="en-IN" sz="1600"/>
+                        <a:t>angle_mie</a:t>
+                      </a:r>
+                    </a:p>
+                  </a:txBody>
+                  <a:tcPr marL="8016" marR="8016" marT="8016" marB="0" anchor="ctr"/>
+                </a:tc>
+                <a:tc>
+                  <a:txBody>
+                    <a:bodyPr/>
+                    <a:lstStyle/>
+                    <a:p>
+                      <a:pPr algn="ctr" fontAlgn="b">
+                        <a:buNone/>
+                      </a:pPr>
+                      <a:r>
+                        <a:rPr lang="en-IN" sz="1600"/>
+                        <a:t>0.99487</a:t>
+                      </a:r>
+                    </a:p>
+                  </a:txBody>
+                  <a:tcPr marL="8016" marR="8016" marT="8016" marB="0" anchor="ctr"/>
+                </a:tc>
+                <a:tc>
+                  <a:txBody>
+                    <a:bodyPr/>
+                    <a:lstStyle/>
+                    <a:p>
+                      <a:pPr algn="ctr" fontAlgn="b">
+                        <a:buNone/>
+                      </a:pPr>
+                      <a:r>
+                        <a:rPr lang="en-IN" sz="1600"/>
+                        <a:t>0.069746</a:t>
+                      </a:r>
+                    </a:p>
+                  </a:txBody>
+                  <a:tcPr marL="8016" marR="8016" marT="8016" marB="0" anchor="ctr"/>
+                </a:tc>
+                <a:tc>
+                  <a:txBody>
+                    <a:bodyPr/>
+                    <a:lstStyle/>
+                    <a:p>
+                      <a:pPr algn="ctr" fontAlgn="b">
+                        <a:buNone/>
+                      </a:pPr>
+                      <a:r>
+                        <a:rPr lang="en-IN" sz="1600"/>
+                        <a:t>0.008005</a:t>
+                      </a:r>
+                    </a:p>
+                  </a:txBody>
+                  <a:tcPr marL="8016" marR="8016" marT="8016" marB="0" anchor="ctr"/>
+                </a:tc>
+                <a:extLst>
+                  <a:ext uri="{0D108BD9-81ED-4DB2-BD59-A6C34878D82A}">
+                    <a16:rowId xmlns:a16="http://schemas.microsoft.com/office/drawing/2014/main" val="3952400394"/>
+                  </a:ext>
+                </a:extLst>
+              </a:tr>
+              <a:tr h="258610">
+                <a:tc>
+                  <a:txBody>
+                    <a:bodyPr/>
+                    <a:lstStyle/>
+                    <a:p>
+                      <a:pPr algn="ctr" fontAlgn="b">
+                        <a:buNone/>
+                      </a:pPr>
+                      <a:r>
+                        <a:rPr lang="en-IN" sz="1600"/>
+                        <a:t>SVR</a:t>
+                      </a:r>
+                    </a:p>
+                  </a:txBody>
+                  <a:tcPr marL="8016" marR="8016" marT="8016" marB="0" anchor="ctr"/>
+                </a:tc>
+                <a:tc>
+                  <a:txBody>
+                    <a:bodyPr/>
+                    <a:lstStyle/>
+                    <a:p>
+                      <a:pPr algn="ctr" fontAlgn="b">
+                        <a:buNone/>
+                      </a:pPr>
+                      <a:r>
+                        <a:rPr lang="en-IN" sz="1600"/>
+                        <a:t>length_mie</a:t>
+                      </a:r>
+                    </a:p>
+                  </a:txBody>
+                  <a:tcPr marL="8016" marR="8016" marT="8016" marB="0" anchor="ctr"/>
+                </a:tc>
+                <a:tc>
+                  <a:txBody>
+                    <a:bodyPr/>
+                    <a:lstStyle/>
+                    <a:p>
+                      <a:pPr algn="ctr" fontAlgn="b">
+                        <a:buNone/>
+                      </a:pPr>
+                      <a:r>
+                        <a:rPr lang="en-IN" sz="1600"/>
+                        <a:t>0.987971</a:t>
+                      </a:r>
+                    </a:p>
+                  </a:txBody>
+                  <a:tcPr marL="8016" marR="8016" marT="8016" marB="0" anchor="ctr"/>
+                </a:tc>
+                <a:tc>
+                  <a:txBody>
+                    <a:bodyPr/>
+                    <a:lstStyle/>
+                    <a:p>
+                      <a:pPr algn="ctr" fontAlgn="b">
+                        <a:buNone/>
+                      </a:pPr>
+                      <a:r>
+                        <a:rPr lang="en-IN" sz="1600"/>
+                        <a:t>2.432815</a:t>
+                      </a:r>
+                    </a:p>
+                  </a:txBody>
+                  <a:tcPr marL="8016" marR="8016" marT="8016" marB="0" anchor="ctr"/>
+                </a:tc>
+                <a:tc>
+                  <a:txBody>
+                    <a:bodyPr/>
+                    <a:lstStyle/>
+                    <a:p>
+                      <a:pPr algn="ctr" fontAlgn="b">
+                        <a:buNone/>
+                      </a:pPr>
+                      <a:r>
+                        <a:rPr lang="en-IN" sz="1600"/>
+                        <a:t>32.74171</a:t>
+                      </a:r>
+                    </a:p>
+                  </a:txBody>
+                  <a:tcPr marL="8016" marR="8016" marT="8016" marB="0" anchor="ctr"/>
+                </a:tc>
+                <a:extLst>
+                  <a:ext uri="{0D108BD9-81ED-4DB2-BD59-A6C34878D82A}">
+                    <a16:rowId xmlns:a16="http://schemas.microsoft.com/office/drawing/2014/main" val="1133661294"/>
+                  </a:ext>
+                </a:extLst>
+              </a:tr>
+              <a:tr h="258610">
+                <a:tc>
+                  <a:txBody>
+                    <a:bodyPr/>
+                    <a:lstStyle/>
+                    <a:p>
+                      <a:pPr algn="ctr" fontAlgn="b">
+                        <a:buNone/>
+                      </a:pPr>
+                      <a:r>
+                        <a:rPr lang="en-IN" sz="1600"/>
+                        <a:t>SVR</a:t>
+                      </a:r>
+                    </a:p>
+                  </a:txBody>
+                  <a:tcPr marL="8016" marR="8016" marT="8016" marB="0" anchor="ctr"/>
+                </a:tc>
+                <a:tc>
+                  <a:txBody>
+                    <a:bodyPr/>
+                    <a:lstStyle/>
+                    <a:p>
+                      <a:pPr algn="ctr" fontAlgn="b">
+                        <a:buNone/>
+                      </a:pPr>
+                      <a:r>
+                        <a:rPr lang="en-IN" sz="1600"/>
+                        <a:t>angle_shadow</a:t>
+                      </a:r>
+                    </a:p>
+                  </a:txBody>
+                  <a:tcPr marL="8016" marR="8016" marT="8016" marB="0" anchor="ctr"/>
+                </a:tc>
+                <a:tc>
+                  <a:txBody>
+                    <a:bodyPr/>
+                    <a:lstStyle/>
+                    <a:p>
+                      <a:pPr algn="ctr" fontAlgn="b">
+                        <a:buNone/>
+                      </a:pPr>
+                      <a:r>
+                        <a:rPr lang="en-IN" sz="1600"/>
+                        <a:t>0.982614</a:t>
+                      </a:r>
+                    </a:p>
+                  </a:txBody>
+                  <a:tcPr marL="8016" marR="8016" marT="8016" marB="0" anchor="ctr"/>
+                </a:tc>
+                <a:tc>
+                  <a:txBody>
+                    <a:bodyPr/>
+                    <a:lstStyle/>
+                    <a:p>
+                      <a:pPr algn="ctr" fontAlgn="b">
+                        <a:buNone/>
+                      </a:pPr>
+                      <a:r>
+                        <a:rPr lang="en-IN" sz="1600"/>
+                        <a:t>0.110088</a:t>
+                      </a:r>
+                    </a:p>
+                  </a:txBody>
+                  <a:tcPr marL="8016" marR="8016" marT="8016" marB="0" anchor="ctr"/>
+                </a:tc>
+                <a:tc>
+                  <a:txBody>
+                    <a:bodyPr/>
+                    <a:lstStyle/>
+                    <a:p>
+                      <a:pPr algn="ctr" fontAlgn="b">
+                        <a:buNone/>
+                      </a:pPr>
+                      <a:r>
+                        <a:rPr lang="en-IN" sz="1600"/>
+                        <a:t>0.024796</a:t>
+                      </a:r>
+                    </a:p>
+                  </a:txBody>
+                  <a:tcPr marL="8016" marR="8016" marT="8016" marB="0" anchor="ctr"/>
+                </a:tc>
+                <a:extLst>
+                  <a:ext uri="{0D108BD9-81ED-4DB2-BD59-A6C34878D82A}">
+                    <a16:rowId xmlns:a16="http://schemas.microsoft.com/office/drawing/2014/main" val="810715185"/>
+                  </a:ext>
+                </a:extLst>
+              </a:tr>
+              <a:tr h="258610">
+                <a:tc>
+                  <a:txBody>
+                    <a:bodyPr/>
+                    <a:lstStyle/>
+                    <a:p>
+                      <a:pPr algn="ctr" fontAlgn="b">
+                        <a:buNone/>
+                      </a:pPr>
+                      <a:r>
+                        <a:rPr lang="en-IN" sz="1600"/>
+                        <a:t>SVR</a:t>
+                      </a:r>
+                    </a:p>
+                  </a:txBody>
+                  <a:tcPr marL="8016" marR="8016" marT="8016" marB="0" anchor="ctr"/>
+                </a:tc>
+                <a:tc>
+                  <a:txBody>
+                    <a:bodyPr/>
+                    <a:lstStyle/>
+                    <a:p>
+                      <a:pPr algn="ctr" fontAlgn="b">
+                        <a:buNone/>
+                      </a:pPr>
+                      <a:r>
+                        <a:rPr lang="en-IN" sz="1600"/>
+                        <a:t>length_shadow</a:t>
+                      </a:r>
+                    </a:p>
+                  </a:txBody>
+                  <a:tcPr marL="8016" marR="8016" marT="8016" marB="0" anchor="ctr"/>
+                </a:tc>
+                <a:tc>
+                  <a:txBody>
+                    <a:bodyPr/>
+                    <a:lstStyle/>
+                    <a:p>
+                      <a:pPr algn="ctr" fontAlgn="b">
+                        <a:buNone/>
+                      </a:pPr>
+                      <a:r>
+                        <a:rPr lang="en-IN" sz="1600" dirty="0"/>
+                        <a:t>0.987813</a:t>
+                      </a:r>
+                    </a:p>
+                  </a:txBody>
+                  <a:tcPr marL="8016" marR="8016" marT="8016" marB="0" anchor="ctr"/>
+                </a:tc>
+                <a:tc>
+                  <a:txBody>
+                    <a:bodyPr/>
+                    <a:lstStyle/>
+                    <a:p>
+                      <a:pPr algn="ctr" fontAlgn="b">
+                        <a:buNone/>
+                      </a:pPr>
+                      <a:r>
+                        <a:rPr lang="en-IN" sz="1600"/>
+                        <a:t>2.555885</a:t>
+                      </a:r>
+                    </a:p>
+                  </a:txBody>
+                  <a:tcPr marL="8016" marR="8016" marT="8016" marB="0" anchor="ctr"/>
+                </a:tc>
+                <a:tc>
+                  <a:txBody>
+                    <a:bodyPr/>
+                    <a:lstStyle/>
+                    <a:p>
+                      <a:pPr algn="ctr" fontAlgn="b">
+                        <a:buNone/>
+                      </a:pPr>
+                      <a:r>
+                        <a:rPr lang="en-IN" sz="1600"/>
+                        <a:t>35.73678</a:t>
+                      </a:r>
+                    </a:p>
+                  </a:txBody>
+                  <a:tcPr marL="8016" marR="8016" marT="8016" marB="0" anchor="ctr"/>
+                </a:tc>
+                <a:extLst>
+                  <a:ext uri="{0D108BD9-81ED-4DB2-BD59-A6C34878D82A}">
+                    <a16:rowId xmlns:a16="http://schemas.microsoft.com/office/drawing/2014/main" val="3143840998"/>
+                  </a:ext>
+                </a:extLst>
+              </a:tr>
+              <a:tr h="258610">
+                <a:tc>
+                  <a:txBody>
+                    <a:bodyPr/>
+                    <a:lstStyle/>
+                    <a:p>
+                      <a:pPr algn="ctr" fontAlgn="b">
+                        <a:buNone/>
+                      </a:pPr>
+                      <a:r>
+                        <a:rPr lang="en-IN" sz="1600"/>
+                        <a:t>KNN</a:t>
+                      </a:r>
+                    </a:p>
+                  </a:txBody>
+                  <a:tcPr marL="8016" marR="8016" marT="8016" marB="0" anchor="ctr"/>
+                </a:tc>
+                <a:tc>
+                  <a:txBody>
+                    <a:bodyPr/>
+                    <a:lstStyle/>
+                    <a:p>
+                      <a:pPr algn="ctr" fontAlgn="b">
+                        <a:buNone/>
+                      </a:pPr>
+                      <a:r>
+                        <a:rPr lang="en-IN" sz="1600"/>
+                        <a:t>angle_mie</a:t>
+                      </a:r>
+                    </a:p>
+                  </a:txBody>
+                  <a:tcPr marL="8016" marR="8016" marT="8016" marB="0" anchor="ctr"/>
+                </a:tc>
+                <a:tc>
+                  <a:txBody>
+                    <a:bodyPr/>
+                    <a:lstStyle/>
+                    <a:p>
+                      <a:pPr algn="ctr" fontAlgn="b">
+                        <a:buNone/>
+                      </a:pPr>
+                      <a:r>
+                        <a:rPr lang="en-IN" sz="1600"/>
+                        <a:t>0.999426</a:t>
+                      </a:r>
+                    </a:p>
+                  </a:txBody>
+                  <a:tcPr marL="8016" marR="8016" marT="8016" marB="0" anchor="ctr"/>
+                </a:tc>
+                <a:tc>
+                  <a:txBody>
+                    <a:bodyPr/>
+                    <a:lstStyle/>
+                    <a:p>
+                      <a:pPr algn="ctr" fontAlgn="b">
+                        <a:buNone/>
+                      </a:pPr>
+                      <a:r>
+                        <a:rPr lang="en-IN" sz="1600"/>
+                        <a:t>0.018704</a:t>
+                      </a:r>
+                    </a:p>
+                  </a:txBody>
+                  <a:tcPr marL="8016" marR="8016" marT="8016" marB="0" anchor="ctr"/>
+                </a:tc>
+                <a:tc>
+                  <a:txBody>
+                    <a:bodyPr/>
+                    <a:lstStyle/>
+                    <a:p>
+                      <a:pPr algn="ctr" fontAlgn="b">
+                        <a:buNone/>
+                      </a:pPr>
+                      <a:r>
+                        <a:rPr lang="en-IN" sz="1600"/>
+                        <a:t>0.000895</a:t>
+                      </a:r>
+                    </a:p>
+                  </a:txBody>
+                  <a:tcPr marL="8016" marR="8016" marT="8016" marB="0" anchor="ctr"/>
+                </a:tc>
+                <a:extLst>
+                  <a:ext uri="{0D108BD9-81ED-4DB2-BD59-A6C34878D82A}">
+                    <a16:rowId xmlns:a16="http://schemas.microsoft.com/office/drawing/2014/main" val="4249756924"/>
+                  </a:ext>
+                </a:extLst>
+              </a:tr>
+              <a:tr h="258610">
+                <a:tc>
+                  <a:txBody>
+                    <a:bodyPr/>
+                    <a:lstStyle/>
+                    <a:p>
+                      <a:pPr algn="ctr" fontAlgn="b">
+                        <a:buNone/>
+                      </a:pPr>
+                      <a:r>
+                        <a:rPr lang="en-IN" sz="1600"/>
+                        <a:t>KNN</a:t>
+                      </a:r>
+                    </a:p>
+                  </a:txBody>
+                  <a:tcPr marL="8016" marR="8016" marT="8016" marB="0" anchor="ctr"/>
+                </a:tc>
+                <a:tc>
+                  <a:txBody>
+                    <a:bodyPr/>
+                    <a:lstStyle/>
+                    <a:p>
+                      <a:pPr algn="ctr" fontAlgn="b">
+                        <a:buNone/>
+                      </a:pPr>
+                      <a:r>
+                        <a:rPr lang="en-IN" sz="1600"/>
+                        <a:t>length_mie</a:t>
+                      </a:r>
+                    </a:p>
+                  </a:txBody>
+                  <a:tcPr marL="8016" marR="8016" marT="8016" marB="0" anchor="ctr"/>
+                </a:tc>
+                <a:tc>
+                  <a:txBody>
+                    <a:bodyPr/>
+                    <a:lstStyle/>
+                    <a:p>
+                      <a:pPr algn="ctr" fontAlgn="b">
+                        <a:buNone/>
+                      </a:pPr>
+                      <a:r>
+                        <a:rPr lang="en-IN" sz="1600"/>
+                        <a:t>0.998422</a:t>
+                      </a:r>
+                    </a:p>
+                  </a:txBody>
+                  <a:tcPr marL="8016" marR="8016" marT="8016" marB="0" anchor="ctr"/>
+                </a:tc>
+                <a:tc>
+                  <a:txBody>
+                    <a:bodyPr/>
+                    <a:lstStyle/>
+                    <a:p>
+                      <a:pPr algn="ctr" fontAlgn="b">
+                        <a:buNone/>
+                      </a:pPr>
+                      <a:r>
+                        <a:rPr lang="en-IN" sz="1600"/>
+                        <a:t>1.423397</a:t>
+                      </a:r>
+                    </a:p>
+                  </a:txBody>
+                  <a:tcPr marL="8016" marR="8016" marT="8016" marB="0" anchor="ctr"/>
+                </a:tc>
+                <a:tc>
+                  <a:txBody>
+                    <a:bodyPr/>
+                    <a:lstStyle/>
+                    <a:p>
+                      <a:pPr algn="ctr" fontAlgn="b">
+                        <a:buNone/>
+                      </a:pPr>
+                      <a:r>
+                        <a:rPr lang="en-IN" sz="1600"/>
+                        <a:t>4.295415</a:t>
+                      </a:r>
+                    </a:p>
+                  </a:txBody>
+                  <a:tcPr marL="8016" marR="8016" marT="8016" marB="0" anchor="ctr"/>
+                </a:tc>
+                <a:extLst>
+                  <a:ext uri="{0D108BD9-81ED-4DB2-BD59-A6C34878D82A}">
+                    <a16:rowId xmlns:a16="http://schemas.microsoft.com/office/drawing/2014/main" val="3265768929"/>
+                  </a:ext>
+                </a:extLst>
+              </a:tr>
+              <a:tr h="258610">
+                <a:tc>
+                  <a:txBody>
+                    <a:bodyPr/>
+                    <a:lstStyle/>
+                    <a:p>
+                      <a:pPr algn="ctr" fontAlgn="b">
+                        <a:buNone/>
+                      </a:pPr>
+                      <a:r>
+                        <a:rPr lang="en-IN" sz="1600"/>
+                        <a:t>KNN</a:t>
+                      </a:r>
+                    </a:p>
+                  </a:txBody>
+                  <a:tcPr marL="8016" marR="8016" marT="8016" marB="0" anchor="ctr"/>
+                </a:tc>
+                <a:tc>
+                  <a:txBody>
+                    <a:bodyPr/>
+                    <a:lstStyle/>
+                    <a:p>
+                      <a:pPr algn="ctr" fontAlgn="b">
+                        <a:buNone/>
+                      </a:pPr>
+                      <a:r>
+                        <a:rPr lang="en-IN" sz="1600"/>
+                        <a:t>angle_shadow</a:t>
+                      </a:r>
+                    </a:p>
+                  </a:txBody>
+                  <a:tcPr marL="8016" marR="8016" marT="8016" marB="0" anchor="ctr"/>
+                </a:tc>
+                <a:tc>
+                  <a:txBody>
+                    <a:bodyPr/>
+                    <a:lstStyle/>
+                    <a:p>
+                      <a:pPr algn="ctr" fontAlgn="b">
+                        <a:buNone/>
+                      </a:pPr>
+                      <a:r>
+                        <a:rPr lang="en-IN" sz="1600"/>
+                        <a:t>0.998858</a:t>
+                      </a:r>
+                    </a:p>
+                  </a:txBody>
+                  <a:tcPr marL="8016" marR="8016" marT="8016" marB="0" anchor="ctr"/>
+                </a:tc>
+                <a:tc>
+                  <a:txBody>
+                    <a:bodyPr/>
+                    <a:lstStyle/>
+                    <a:p>
+                      <a:pPr algn="ctr" fontAlgn="b">
+                        <a:buNone/>
+                      </a:pPr>
+                      <a:r>
+                        <a:rPr lang="en-IN" sz="1600"/>
+                        <a:t>0.02779</a:t>
+                      </a:r>
+                    </a:p>
+                  </a:txBody>
+                  <a:tcPr marL="8016" marR="8016" marT="8016" marB="0" anchor="ctr"/>
+                </a:tc>
+                <a:tc>
+                  <a:txBody>
+                    <a:bodyPr/>
+                    <a:lstStyle/>
+                    <a:p>
+                      <a:pPr algn="ctr" fontAlgn="b">
+                        <a:buNone/>
+                      </a:pPr>
+                      <a:r>
+                        <a:rPr lang="en-IN" sz="1600"/>
+                        <a:t>0.001629</a:t>
+                      </a:r>
+                    </a:p>
+                  </a:txBody>
+                  <a:tcPr marL="8016" marR="8016" marT="8016" marB="0" anchor="ctr"/>
+                </a:tc>
+                <a:extLst>
+                  <a:ext uri="{0D108BD9-81ED-4DB2-BD59-A6C34878D82A}">
+                    <a16:rowId xmlns:a16="http://schemas.microsoft.com/office/drawing/2014/main" val="2977832988"/>
+                  </a:ext>
+                </a:extLst>
+              </a:tr>
+              <a:tr h="258610">
+                <a:tc>
+                  <a:txBody>
+                    <a:bodyPr/>
+                    <a:lstStyle/>
+                    <a:p>
+                      <a:pPr algn="ctr" fontAlgn="b">
+                        <a:buNone/>
+                      </a:pPr>
+                      <a:r>
+                        <a:rPr lang="en-IN" sz="1600"/>
+                        <a:t>KNN</a:t>
+                      </a:r>
+                    </a:p>
+                  </a:txBody>
+                  <a:tcPr marL="8016" marR="8016" marT="8016" marB="0" anchor="ctr"/>
+                </a:tc>
+                <a:tc>
+                  <a:txBody>
+                    <a:bodyPr/>
+                    <a:lstStyle/>
+                    <a:p>
+                      <a:pPr algn="ctr" fontAlgn="b">
+                        <a:buNone/>
+                      </a:pPr>
+                      <a:r>
+                        <a:rPr lang="en-IN" sz="1600"/>
+                        <a:t>length_shadow</a:t>
+                      </a:r>
+                    </a:p>
+                  </a:txBody>
+                  <a:tcPr marL="8016" marR="8016" marT="8016" marB="0" anchor="ctr"/>
+                </a:tc>
+                <a:tc>
+                  <a:txBody>
+                    <a:bodyPr/>
+                    <a:lstStyle/>
+                    <a:p>
+                      <a:pPr algn="ctr" fontAlgn="b">
+                        <a:buNone/>
+                      </a:pPr>
+                      <a:r>
+                        <a:rPr lang="en-IN" sz="1600"/>
+                        <a:t>0.998467</a:t>
+                      </a:r>
+                    </a:p>
+                  </a:txBody>
+                  <a:tcPr marL="8016" marR="8016" marT="8016" marB="0" anchor="ctr"/>
+                </a:tc>
+                <a:tc>
+                  <a:txBody>
+                    <a:bodyPr/>
+                    <a:lstStyle/>
+                    <a:p>
+                      <a:pPr algn="ctr" fontAlgn="b">
+                        <a:buNone/>
+                      </a:pPr>
+                      <a:r>
+                        <a:rPr lang="en-IN" sz="1600" dirty="0"/>
+                        <a:t>1.49246</a:t>
+                      </a:r>
+                    </a:p>
+                  </a:txBody>
+                  <a:tcPr marL="8016" marR="8016" marT="8016" marB="0" anchor="ctr"/>
+                </a:tc>
+                <a:tc>
+                  <a:txBody>
+                    <a:bodyPr/>
+                    <a:lstStyle/>
+                    <a:p>
+                      <a:pPr algn="ctr" fontAlgn="b">
+                        <a:buNone/>
+                      </a:pPr>
+                      <a:r>
+                        <a:rPr lang="en-IN" sz="1600"/>
+                        <a:t>4.496412</a:t>
+                      </a:r>
+                    </a:p>
+                  </a:txBody>
+                  <a:tcPr marL="8016" marR="8016" marT="8016" marB="0" anchor="ctr"/>
+                </a:tc>
+                <a:extLst>
+                  <a:ext uri="{0D108BD9-81ED-4DB2-BD59-A6C34878D82A}">
+                    <a16:rowId xmlns:a16="http://schemas.microsoft.com/office/drawing/2014/main" val="603594914"/>
+                  </a:ext>
+                </a:extLst>
+              </a:tr>
+              <a:tr h="258610">
+                <a:tc>
+                  <a:txBody>
+                    <a:bodyPr/>
+                    <a:lstStyle/>
+                    <a:p>
+                      <a:pPr algn="ctr" fontAlgn="b">
+                        <a:buNone/>
+                      </a:pPr>
+                      <a:r>
+                        <a:rPr lang="en-IN" sz="1600"/>
+                        <a:t>GradientBoosting</a:t>
+                      </a:r>
+                    </a:p>
+                  </a:txBody>
+                  <a:tcPr marL="8016" marR="8016" marT="8016" marB="0" anchor="ctr"/>
+                </a:tc>
+                <a:tc>
+                  <a:txBody>
+                    <a:bodyPr/>
+                    <a:lstStyle/>
+                    <a:p>
+                      <a:pPr algn="ctr" fontAlgn="b">
+                        <a:buNone/>
+                      </a:pPr>
+                      <a:r>
+                        <a:rPr lang="en-IN" sz="1600"/>
+                        <a:t>angle_mie</a:t>
+                      </a:r>
+                    </a:p>
+                  </a:txBody>
+                  <a:tcPr marL="8016" marR="8016" marT="8016" marB="0" anchor="ctr"/>
+                </a:tc>
+                <a:tc>
+                  <a:txBody>
+                    <a:bodyPr/>
+                    <a:lstStyle/>
+                    <a:p>
+                      <a:pPr algn="ctr" fontAlgn="b">
+                        <a:buNone/>
+                      </a:pPr>
+                      <a:r>
+                        <a:rPr lang="en-IN" sz="1600"/>
+                        <a:t>0.98727</a:t>
+                      </a:r>
+                    </a:p>
+                  </a:txBody>
+                  <a:tcPr marL="8016" marR="8016" marT="8016" marB="0" anchor="ctr"/>
+                </a:tc>
+                <a:tc>
+                  <a:txBody>
+                    <a:bodyPr/>
+                    <a:lstStyle/>
+                    <a:p>
+                      <a:pPr algn="ctr" fontAlgn="b">
+                        <a:buNone/>
+                      </a:pPr>
+                      <a:r>
+                        <a:rPr lang="en-IN" sz="1600"/>
+                        <a:t>0.056967</a:t>
+                      </a:r>
+                    </a:p>
+                  </a:txBody>
+                  <a:tcPr marL="8016" marR="8016" marT="8016" marB="0" anchor="ctr"/>
+                </a:tc>
+                <a:tc>
+                  <a:txBody>
+                    <a:bodyPr/>
+                    <a:lstStyle/>
+                    <a:p>
+                      <a:pPr algn="ctr" fontAlgn="b">
+                        <a:buNone/>
+                      </a:pPr>
+                      <a:r>
+                        <a:rPr lang="en-IN" sz="1600"/>
+                        <a:t>0.019865</a:t>
+                      </a:r>
+                    </a:p>
+                  </a:txBody>
+                  <a:tcPr marL="8016" marR="8016" marT="8016" marB="0" anchor="ctr"/>
+                </a:tc>
+                <a:extLst>
+                  <a:ext uri="{0D108BD9-81ED-4DB2-BD59-A6C34878D82A}">
+                    <a16:rowId xmlns:a16="http://schemas.microsoft.com/office/drawing/2014/main" val="3909884370"/>
+                  </a:ext>
+                </a:extLst>
+              </a:tr>
+              <a:tr h="258610">
+                <a:tc>
+                  <a:txBody>
+                    <a:bodyPr/>
+                    <a:lstStyle/>
+                    <a:p>
+                      <a:pPr algn="ctr" fontAlgn="b">
+                        <a:buNone/>
+                      </a:pPr>
+                      <a:r>
+                        <a:rPr lang="en-IN" sz="1600"/>
+                        <a:t>GradientBoosting</a:t>
+                      </a:r>
+                    </a:p>
+                  </a:txBody>
+                  <a:tcPr marL="8016" marR="8016" marT="8016" marB="0" anchor="ctr"/>
+                </a:tc>
+                <a:tc>
+                  <a:txBody>
+                    <a:bodyPr/>
+                    <a:lstStyle/>
+                    <a:p>
+                      <a:pPr algn="ctr" fontAlgn="b">
+                        <a:buNone/>
+                      </a:pPr>
+                      <a:r>
+                        <a:rPr lang="en-IN" sz="1600"/>
+                        <a:t>length_mie</a:t>
+                      </a:r>
+                    </a:p>
+                  </a:txBody>
+                  <a:tcPr marL="8016" marR="8016" marT="8016" marB="0" anchor="ctr"/>
+                </a:tc>
+                <a:tc>
+                  <a:txBody>
+                    <a:bodyPr/>
+                    <a:lstStyle/>
+                    <a:p>
+                      <a:pPr algn="ctr" fontAlgn="b">
+                        <a:buNone/>
+                      </a:pPr>
+                      <a:r>
+                        <a:rPr lang="en-IN" sz="1600"/>
+                        <a:t>0.99942</a:t>
+                      </a:r>
+                    </a:p>
+                  </a:txBody>
+                  <a:tcPr marL="8016" marR="8016" marT="8016" marB="0" anchor="ctr"/>
+                </a:tc>
+                <a:tc>
+                  <a:txBody>
+                    <a:bodyPr/>
+                    <a:lstStyle/>
+                    <a:p>
+                      <a:pPr algn="ctr" fontAlgn="b">
+                        <a:buNone/>
+                      </a:pPr>
+                      <a:r>
+                        <a:rPr lang="en-IN" sz="1600"/>
+                        <a:t>0.908359</a:t>
+                      </a:r>
+                    </a:p>
+                  </a:txBody>
+                  <a:tcPr marL="8016" marR="8016" marT="8016" marB="0" anchor="ctr"/>
+                </a:tc>
+                <a:tc>
+                  <a:txBody>
+                    <a:bodyPr/>
+                    <a:lstStyle/>
+                    <a:p>
+                      <a:pPr algn="ctr" fontAlgn="b">
+                        <a:buNone/>
+                      </a:pPr>
+                      <a:r>
+                        <a:rPr lang="en-IN" sz="1600"/>
+                        <a:t>1.579072</a:t>
+                      </a:r>
+                    </a:p>
+                  </a:txBody>
+                  <a:tcPr marL="8016" marR="8016" marT="8016" marB="0" anchor="ctr"/>
+                </a:tc>
+                <a:extLst>
+                  <a:ext uri="{0D108BD9-81ED-4DB2-BD59-A6C34878D82A}">
+                    <a16:rowId xmlns:a16="http://schemas.microsoft.com/office/drawing/2014/main" val="2895024266"/>
+                  </a:ext>
+                </a:extLst>
+              </a:tr>
+              <a:tr h="258610">
+                <a:tc>
+                  <a:txBody>
+                    <a:bodyPr/>
+                    <a:lstStyle/>
+                    <a:p>
+                      <a:pPr algn="ctr" fontAlgn="b">
+                        <a:buNone/>
+                      </a:pPr>
+                      <a:r>
+                        <a:rPr lang="en-IN" sz="1600"/>
+                        <a:t>GradientBoosting</a:t>
+                      </a:r>
+                    </a:p>
+                  </a:txBody>
+                  <a:tcPr marL="8016" marR="8016" marT="8016" marB="0" anchor="ctr"/>
+                </a:tc>
+                <a:tc>
+                  <a:txBody>
+                    <a:bodyPr/>
+                    <a:lstStyle/>
+                    <a:p>
+                      <a:pPr algn="ctr" fontAlgn="b">
+                        <a:buNone/>
+                      </a:pPr>
+                      <a:r>
+                        <a:rPr lang="en-IN" sz="1600"/>
+                        <a:t>angle_shadow</a:t>
+                      </a:r>
+                    </a:p>
+                  </a:txBody>
+                  <a:tcPr marL="8016" marR="8016" marT="8016" marB="0" anchor="ctr"/>
+                </a:tc>
+                <a:tc>
+                  <a:txBody>
+                    <a:bodyPr/>
+                    <a:lstStyle/>
+                    <a:p>
+                      <a:pPr algn="ctr" fontAlgn="b">
+                        <a:buNone/>
+                      </a:pPr>
+                      <a:r>
+                        <a:rPr lang="en-IN" sz="1600"/>
+                        <a:t>0.993257</a:t>
+                      </a:r>
+                    </a:p>
+                  </a:txBody>
+                  <a:tcPr marL="8016" marR="8016" marT="8016" marB="0" anchor="ctr"/>
+                </a:tc>
+                <a:tc>
+                  <a:txBody>
+                    <a:bodyPr/>
+                    <a:lstStyle/>
+                    <a:p>
+                      <a:pPr algn="ctr" fontAlgn="b">
+                        <a:buNone/>
+                      </a:pPr>
+                      <a:r>
+                        <a:rPr lang="en-IN" sz="1600"/>
+                        <a:t>0.068814</a:t>
+                      </a:r>
+                    </a:p>
+                  </a:txBody>
+                  <a:tcPr marL="8016" marR="8016" marT="8016" marB="0" anchor="ctr"/>
+                </a:tc>
+                <a:tc>
+                  <a:txBody>
+                    <a:bodyPr/>
+                    <a:lstStyle/>
+                    <a:p>
+                      <a:pPr algn="ctr" fontAlgn="b">
+                        <a:buNone/>
+                      </a:pPr>
+                      <a:r>
+                        <a:rPr lang="en-IN" sz="1600" dirty="0"/>
+                        <a:t>0.009617</a:t>
+                      </a:r>
+                    </a:p>
+                  </a:txBody>
+                  <a:tcPr marL="8016" marR="8016" marT="8016" marB="0" anchor="ctr"/>
+                </a:tc>
+                <a:extLst>
+                  <a:ext uri="{0D108BD9-81ED-4DB2-BD59-A6C34878D82A}">
+                    <a16:rowId xmlns:a16="http://schemas.microsoft.com/office/drawing/2014/main" val="3155652074"/>
+                  </a:ext>
+                </a:extLst>
+              </a:tr>
+              <a:tr h="258610">
+                <a:tc>
+                  <a:txBody>
+                    <a:bodyPr/>
+                    <a:lstStyle/>
+                    <a:p>
+                      <a:pPr algn="ctr" fontAlgn="b">
+                        <a:buNone/>
+                      </a:pPr>
+                      <a:r>
+                        <a:rPr lang="en-IN" sz="1600" dirty="0" err="1"/>
+                        <a:t>GradientBoosting</a:t>
+                      </a:r>
+                      <a:endParaRPr lang="en-IN" sz="1600" dirty="0"/>
+                    </a:p>
+                  </a:txBody>
+                  <a:tcPr marL="8016" marR="8016" marT="8016" marB="0" anchor="ctr"/>
+                </a:tc>
+                <a:tc>
+                  <a:txBody>
+                    <a:bodyPr/>
+                    <a:lstStyle/>
+                    <a:p>
+                      <a:pPr algn="ctr" fontAlgn="b">
+                        <a:buNone/>
+                      </a:pPr>
+                      <a:r>
+                        <a:rPr lang="en-IN" sz="1600"/>
+                        <a:t>length_shadow</a:t>
+                      </a:r>
+                    </a:p>
+                  </a:txBody>
+                  <a:tcPr marL="8016" marR="8016" marT="8016" marB="0" anchor="ctr"/>
+                </a:tc>
+                <a:tc>
+                  <a:txBody>
+                    <a:bodyPr/>
+                    <a:lstStyle/>
+                    <a:p>
+                      <a:pPr algn="ctr" fontAlgn="b">
+                        <a:buNone/>
+                      </a:pPr>
+                      <a:r>
+                        <a:rPr lang="en-IN" sz="1600"/>
+                        <a:t>0.999481</a:t>
+                      </a:r>
+                    </a:p>
+                  </a:txBody>
+                  <a:tcPr marL="8016" marR="8016" marT="8016" marB="0" anchor="ctr"/>
+                </a:tc>
+                <a:tc>
+                  <a:txBody>
+                    <a:bodyPr/>
+                    <a:lstStyle/>
+                    <a:p>
+                      <a:pPr algn="ctr" fontAlgn="b">
+                        <a:buNone/>
+                      </a:pPr>
+                      <a:r>
+                        <a:rPr lang="en-IN" sz="1600"/>
+                        <a:t>0.890721</a:t>
+                      </a:r>
+                    </a:p>
+                  </a:txBody>
+                  <a:tcPr marL="8016" marR="8016" marT="8016" marB="0" anchor="ctr"/>
+                </a:tc>
+                <a:tc>
+                  <a:txBody>
+                    <a:bodyPr/>
+                    <a:lstStyle/>
+                    <a:p>
+                      <a:pPr algn="ctr" fontAlgn="b">
+                        <a:buNone/>
+                      </a:pPr>
+                      <a:r>
+                        <a:rPr lang="en-IN" sz="1600" dirty="0"/>
+                        <a:t>1.522695</a:t>
+                      </a:r>
+                    </a:p>
+                  </a:txBody>
+                  <a:tcPr marL="8016" marR="8016" marT="8016" marB="0" anchor="ctr"/>
+                </a:tc>
+                <a:extLst>
+                  <a:ext uri="{0D108BD9-81ED-4DB2-BD59-A6C34878D82A}">
+                    <a16:rowId xmlns:a16="http://schemas.microsoft.com/office/drawing/2014/main" val="2508155317"/>
+                  </a:ext>
+                </a:extLst>
+              </a:tr>
+            </a:tbl>
+          </a:graphicData>
+        </a:graphic>
+      </p:graphicFrame>
+    </p:spTree>
+    <p:extLst>
+      <p:ext uri="{BB962C8B-B14F-4D97-AF65-F5344CB8AC3E}">
+        <p14:creationId xmlns:p14="http://schemas.microsoft.com/office/powerpoint/2010/main" val="2327388935"/>
+      </p:ext>
+    </p:extLst>
+  </p:cSld>
+  <p:clrMapOvr>
+    <a:masterClrMapping/>
+  </p:clrMapOvr>
+</p:sld>
+</file>
+
+<file path=ppt/slides/slide5.xml><?xml version="1.0" encoding="utf-8"?>
+<p:sld xmlns:a="http://schemas.openxmlformats.org/drawingml/2006/main" xmlns:r="http://schemas.openxmlformats.org/officeDocument/2006/relationships" xmlns:p="http://schemas.openxmlformats.org/presentationml/2006/main">
+  <p:cSld>
     <p:spTree>
       <p:nvGrpSpPr>
         <p:cNvPr id="1" name=""/>
@@ -5007,6 +7862,1852 @@
     <p:extLst>
       <p:ext uri="{BB962C8B-B14F-4D97-AF65-F5344CB8AC3E}">
         <p14:creationId xmlns:p14="http://schemas.microsoft.com/office/powerpoint/2010/main" val="2369341372"/>
+      </p:ext>
+    </p:extLst>
+  </p:cSld>
+  <p:clrMapOvr>
+    <a:masterClrMapping/>
+  </p:clrMapOvr>
+</p:sld>
+</file>
+
+<file path=ppt/slides/slide6.xml><?xml version="1.0" encoding="utf-8"?>
+<p:sld xmlns:a="http://schemas.openxmlformats.org/drawingml/2006/main" xmlns:r="http://schemas.openxmlformats.org/officeDocument/2006/relationships" xmlns:p="http://schemas.openxmlformats.org/presentationml/2006/main">
+  <p:cSld>
+    <p:spTree>
+      <p:nvGrpSpPr>
+        <p:cNvPr id="1" name=""/>
+        <p:cNvGrpSpPr/>
+        <p:nvPr/>
+      </p:nvGrpSpPr>
+      <p:grpSpPr>
+        <a:xfrm>
+          <a:off x="0" y="0"/>
+          <a:ext cx="0" cy="0"/>
+          <a:chOff x="0" y="0"/>
+          <a:chExt cx="0" cy="0"/>
+        </a:xfrm>
+      </p:grpSpPr>
+      <p:sp>
+        <p:nvSpPr>
+          <p:cNvPr id="2" name="Title 1">
+            <a:extLst>
+              <a:ext uri="{FF2B5EF4-FFF2-40B4-BE49-F238E27FC236}">
+                <a16:creationId xmlns:a16="http://schemas.microsoft.com/office/drawing/2014/main" id="{2D56C726-75F8-41C9-AA86-D8463394EBEC}"/>
+              </a:ext>
+            </a:extLst>
+          </p:cNvPr>
+          <p:cNvSpPr>
+            <a:spLocks noGrp="1"/>
+          </p:cNvSpPr>
+          <p:nvPr>
+            <p:ph type="title"/>
+          </p:nvPr>
+        </p:nvSpPr>
+        <p:spPr/>
+        <p:txBody>
+          <a:bodyPr/>
+          <a:lstStyle/>
+          <a:p>
+            <a:r>
+              <a:rPr lang="en-IN" dirty="0"/>
+              <a:t>True vs Predicted for KNN</a:t>
+            </a:r>
+          </a:p>
+        </p:txBody>
+      </p:sp>
+      <p:pic>
+        <p:nvPicPr>
+          <p:cNvPr id="7" name="Content Placeholder 6">
+            <a:extLst>
+              <a:ext uri="{FF2B5EF4-FFF2-40B4-BE49-F238E27FC236}">
+                <a16:creationId xmlns:a16="http://schemas.microsoft.com/office/drawing/2014/main" id="{6657C32A-6670-5C2F-FC9D-8925C51E99B5}"/>
+              </a:ext>
+            </a:extLst>
+          </p:cNvPr>
+          <p:cNvPicPr>
+            <a:picLocks noGrp="1" noChangeAspect="1"/>
+          </p:cNvPicPr>
+          <p:nvPr>
+            <p:ph idx="1"/>
+          </p:nvPr>
+        </p:nvPicPr>
+        <p:blipFill>
+          <a:blip r:embed="rId2"/>
+          <a:stretch>
+            <a:fillRect/>
+          </a:stretch>
+        </p:blipFill>
+        <p:spPr>
+          <a:xfrm>
+            <a:off x="1352629" y="1690688"/>
+            <a:ext cx="3724958" cy="4351338"/>
+          </a:xfrm>
+          <a:prstGeom prst="rect">
+            <a:avLst/>
+          </a:prstGeom>
+        </p:spPr>
+      </p:pic>
+      <p:pic>
+        <p:nvPicPr>
+          <p:cNvPr id="11" name="Picture 10">
+            <a:extLst>
+              <a:ext uri="{FF2B5EF4-FFF2-40B4-BE49-F238E27FC236}">
+                <a16:creationId xmlns:a16="http://schemas.microsoft.com/office/drawing/2014/main" id="{303C7C94-B1B5-B415-295C-4F05A66074F4}"/>
+              </a:ext>
+            </a:extLst>
+          </p:cNvPr>
+          <p:cNvPicPr>
+            <a:picLocks noChangeAspect="1"/>
+          </p:cNvPicPr>
+          <p:nvPr/>
+        </p:nvPicPr>
+        <p:blipFill>
+          <a:blip r:embed="rId3"/>
+          <a:stretch>
+            <a:fillRect/>
+          </a:stretch>
+        </p:blipFill>
+        <p:spPr>
+          <a:xfrm>
+            <a:off x="7114414" y="1919182"/>
+            <a:ext cx="3536512" cy="4122844"/>
+          </a:xfrm>
+          <a:prstGeom prst="rect">
+            <a:avLst/>
+          </a:prstGeom>
+        </p:spPr>
+      </p:pic>
+    </p:spTree>
+    <p:extLst>
+      <p:ext uri="{BB962C8B-B14F-4D97-AF65-F5344CB8AC3E}">
+        <p14:creationId xmlns:p14="http://schemas.microsoft.com/office/powerpoint/2010/main" val="2537461385"/>
+      </p:ext>
+    </p:extLst>
+  </p:cSld>
+  <p:clrMapOvr>
+    <a:masterClrMapping/>
+  </p:clrMapOvr>
+</p:sld>
+</file>
+
+<file path=ppt/slides/slide7.xml><?xml version="1.0" encoding="utf-8"?>
+<p:sld xmlns:a="http://schemas.openxmlformats.org/drawingml/2006/main" xmlns:r="http://schemas.openxmlformats.org/officeDocument/2006/relationships" xmlns:p="http://schemas.openxmlformats.org/presentationml/2006/main">
+  <p:cSld>
+    <p:spTree>
+      <p:nvGrpSpPr>
+        <p:cNvPr id="1" name="">
+          <a:extLst>
+            <a:ext uri="{FF2B5EF4-FFF2-40B4-BE49-F238E27FC236}">
+              <a16:creationId xmlns:a16="http://schemas.microsoft.com/office/drawing/2014/main" id="{E5BB403E-A7E7-30D2-25C3-1015E2A0CA7A}"/>
+            </a:ext>
+          </a:extLst>
+        </p:cNvPr>
+        <p:cNvGrpSpPr/>
+        <p:nvPr/>
+      </p:nvGrpSpPr>
+      <p:grpSpPr>
+        <a:xfrm>
+          <a:off x="0" y="0"/>
+          <a:ext cx="0" cy="0"/>
+          <a:chOff x="0" y="0"/>
+          <a:chExt cx="0" cy="0"/>
+        </a:xfrm>
+      </p:grpSpPr>
+      <p:sp>
+        <p:nvSpPr>
+          <p:cNvPr id="2" name="Title 1">
+            <a:extLst>
+              <a:ext uri="{FF2B5EF4-FFF2-40B4-BE49-F238E27FC236}">
+                <a16:creationId xmlns:a16="http://schemas.microsoft.com/office/drawing/2014/main" id="{33E4387B-FDA8-ADDD-AFCB-72A7C41D5041}"/>
+              </a:ext>
+            </a:extLst>
+          </p:cNvPr>
+          <p:cNvSpPr>
+            <a:spLocks noGrp="1"/>
+          </p:cNvSpPr>
+          <p:nvPr>
+            <p:ph type="title"/>
+          </p:nvPr>
+        </p:nvSpPr>
+        <p:spPr/>
+        <p:txBody>
+          <a:bodyPr/>
+          <a:lstStyle/>
+          <a:p>
+            <a:r>
+              <a:rPr lang="en-US" dirty="0"/>
+              <a:t>Comparison between ANN and Gradient Boosting</a:t>
+            </a:r>
+            <a:endParaRPr lang="en-IN" dirty="0"/>
+          </a:p>
+        </p:txBody>
+      </p:sp>
+      <p:graphicFrame>
+        <p:nvGraphicFramePr>
+          <p:cNvPr id="4" name="Content Placeholder 3">
+            <a:extLst>
+              <a:ext uri="{FF2B5EF4-FFF2-40B4-BE49-F238E27FC236}">
+                <a16:creationId xmlns:a16="http://schemas.microsoft.com/office/drawing/2014/main" id="{00E17C54-1D07-2102-B2B2-46ECD5FBC25A}"/>
+              </a:ext>
+            </a:extLst>
+          </p:cNvPr>
+          <p:cNvGraphicFramePr>
+            <a:graphicFrameLocks noGrp="1"/>
+          </p:cNvGraphicFramePr>
+          <p:nvPr>
+            <p:ph idx="1"/>
+            <p:extLst>
+              <p:ext uri="{D42A27DB-BD31-4B8C-83A1-F6EECF244321}">
+                <p14:modId xmlns:p14="http://schemas.microsoft.com/office/powerpoint/2010/main" val="541592852"/>
+              </p:ext>
+            </p:extLst>
+          </p:nvPr>
+        </p:nvGraphicFramePr>
+        <p:xfrm>
+          <a:off x="838200" y="1825625"/>
+          <a:ext cx="10515600" cy="3337560"/>
+        </p:xfrm>
+        <a:graphic>
+          <a:graphicData uri="http://schemas.openxmlformats.org/drawingml/2006/table">
+            <a:tbl>
+              <a:tblPr firstRow="1" bandRow="1">
+                <a:tableStyleId>{5C22544A-7EE6-4342-B048-85BDC9FD1C3A}</a:tableStyleId>
+              </a:tblPr>
+              <a:tblGrid>
+                <a:gridCol w="2103120">
+                  <a:extLst>
+                    <a:ext uri="{9D8B030D-6E8A-4147-A177-3AD203B41FA5}">
+                      <a16:colId xmlns:a16="http://schemas.microsoft.com/office/drawing/2014/main" val="911756075"/>
+                    </a:ext>
+                  </a:extLst>
+                </a:gridCol>
+                <a:gridCol w="2103120">
+                  <a:extLst>
+                    <a:ext uri="{9D8B030D-6E8A-4147-A177-3AD203B41FA5}">
+                      <a16:colId xmlns:a16="http://schemas.microsoft.com/office/drawing/2014/main" val="680891678"/>
+                    </a:ext>
+                  </a:extLst>
+                </a:gridCol>
+                <a:gridCol w="2103120">
+                  <a:extLst>
+                    <a:ext uri="{9D8B030D-6E8A-4147-A177-3AD203B41FA5}">
+                      <a16:colId xmlns:a16="http://schemas.microsoft.com/office/drawing/2014/main" val="1631242118"/>
+                    </a:ext>
+                  </a:extLst>
+                </a:gridCol>
+                <a:gridCol w="2103120">
+                  <a:extLst>
+                    <a:ext uri="{9D8B030D-6E8A-4147-A177-3AD203B41FA5}">
+                      <a16:colId xmlns:a16="http://schemas.microsoft.com/office/drawing/2014/main" val="595498364"/>
+                    </a:ext>
+                  </a:extLst>
+                </a:gridCol>
+                <a:gridCol w="2103120">
+                  <a:extLst>
+                    <a:ext uri="{9D8B030D-6E8A-4147-A177-3AD203B41FA5}">
+                      <a16:colId xmlns:a16="http://schemas.microsoft.com/office/drawing/2014/main" val="703777234"/>
+                    </a:ext>
+                  </a:extLst>
+                </a:gridCol>
+              </a:tblGrid>
+              <a:tr h="370840">
+                <a:tc>
+                  <a:txBody>
+                    <a:bodyPr/>
+                    <a:lstStyle/>
+                    <a:p>
+                      <a:pPr algn="ctr"/>
+                      <a:r>
+                        <a:rPr lang="en-IN" dirty="0"/>
+                        <a:t>Model</a:t>
+                      </a:r>
+                    </a:p>
+                  </a:txBody>
+                  <a:tcPr anchor="ctr"/>
+                </a:tc>
+                <a:tc>
+                  <a:txBody>
+                    <a:bodyPr/>
+                    <a:lstStyle/>
+                    <a:p>
+                      <a:pPr algn="ctr"/>
+                      <a:r>
+                        <a:rPr lang="en-IN" dirty="0"/>
+                        <a:t>Target</a:t>
+                      </a:r>
+                    </a:p>
+                  </a:txBody>
+                  <a:tcPr anchor="ctr"/>
+                </a:tc>
+                <a:tc>
+                  <a:txBody>
+                    <a:bodyPr/>
+                    <a:lstStyle/>
+                    <a:p>
+                      <a:pPr algn="ctr"/>
+                      <a:r>
+                        <a:rPr lang="en-IN" dirty="0"/>
+                        <a:t>R2</a:t>
+                      </a:r>
+                    </a:p>
+                  </a:txBody>
+                  <a:tcPr anchor="ctr"/>
+                </a:tc>
+                <a:tc>
+                  <a:txBody>
+                    <a:bodyPr/>
+                    <a:lstStyle/>
+                    <a:p>
+                      <a:pPr algn="ctr"/>
+                      <a:r>
+                        <a:rPr lang="en-IN" dirty="0"/>
+                        <a:t>MAE</a:t>
+                      </a:r>
+                    </a:p>
+                  </a:txBody>
+                  <a:tcPr anchor="ctr"/>
+                </a:tc>
+                <a:tc>
+                  <a:txBody>
+                    <a:bodyPr/>
+                    <a:lstStyle/>
+                    <a:p>
+                      <a:pPr algn="ctr"/>
+                      <a:r>
+                        <a:rPr lang="en-IN" dirty="0"/>
+                        <a:t>MSE</a:t>
+                      </a:r>
+                    </a:p>
+                  </a:txBody>
+                  <a:tcPr anchor="ctr"/>
+                </a:tc>
+                <a:extLst>
+                  <a:ext uri="{0D108BD9-81ED-4DB2-BD59-A6C34878D82A}">
+                    <a16:rowId xmlns:a16="http://schemas.microsoft.com/office/drawing/2014/main" val="3436669857"/>
+                  </a:ext>
+                </a:extLst>
+              </a:tr>
+              <a:tr h="370840">
+                <a:tc rowSpan="4">
+                  <a:txBody>
+                    <a:bodyPr/>
+                    <a:lstStyle/>
+                    <a:p>
+                      <a:pPr algn="ctr"/>
+                      <a:r>
+                        <a:rPr lang="en-IN" dirty="0">
+                          <a:highlight>
+                            <a:srgbClr val="FFFF00"/>
+                          </a:highlight>
+                        </a:rPr>
+                        <a:t>Gradient Boosting Regressor</a:t>
+                      </a:r>
+                    </a:p>
+                  </a:txBody>
+                  <a:tcPr anchor="ctr"/>
+                </a:tc>
+                <a:tc>
+                  <a:txBody>
+                    <a:bodyPr/>
+                    <a:lstStyle/>
+                    <a:p>
+                      <a:pPr algn="ctr"/>
+                      <a:r>
+                        <a:rPr lang="en-IN" dirty="0"/>
+                        <a:t>Angle (Mie)</a:t>
+                      </a:r>
+                    </a:p>
+                  </a:txBody>
+                  <a:tcPr anchor="ctr"/>
+                </a:tc>
+                <a:tc>
+                  <a:txBody>
+                    <a:bodyPr/>
+                    <a:lstStyle/>
+                    <a:p>
+                      <a:pPr marL="0" algn="ctr" defTabSz="914400" rtl="0" eaLnBrk="1" fontAlgn="b" latinLnBrk="0" hangingPunct="1">
+                        <a:buNone/>
+                      </a:pPr>
+                      <a:r>
+                        <a:rPr lang="en-IN" sz="1800" kern="1200" dirty="0">
+                          <a:solidFill>
+                            <a:schemeClr val="dk1"/>
+                          </a:solidFill>
+                          <a:latin typeface="+mn-lt"/>
+                          <a:ea typeface="+mn-ea"/>
+                          <a:cs typeface="+mn-cs"/>
+                        </a:rPr>
+                        <a:t>0.98727</a:t>
+                      </a:r>
+                    </a:p>
+                  </a:txBody>
+                  <a:tcPr marL="7620" marR="7620" marT="7620" marB="0" anchor="b"/>
+                </a:tc>
+                <a:tc>
+                  <a:txBody>
+                    <a:bodyPr/>
+                    <a:lstStyle/>
+                    <a:p>
+                      <a:pPr marL="0" algn="ctr" defTabSz="914400" rtl="0" eaLnBrk="1" fontAlgn="b" latinLnBrk="0" hangingPunct="1">
+                        <a:buNone/>
+                      </a:pPr>
+                      <a:r>
+                        <a:rPr lang="en-IN" sz="1800" kern="1200">
+                          <a:solidFill>
+                            <a:schemeClr val="dk1"/>
+                          </a:solidFill>
+                          <a:latin typeface="+mn-lt"/>
+                          <a:ea typeface="+mn-ea"/>
+                          <a:cs typeface="+mn-cs"/>
+                        </a:rPr>
+                        <a:t>0.056967</a:t>
+                      </a:r>
+                    </a:p>
+                  </a:txBody>
+                  <a:tcPr marL="7620" marR="7620" marT="7620" marB="0" anchor="b"/>
+                </a:tc>
+                <a:tc>
+                  <a:txBody>
+                    <a:bodyPr/>
+                    <a:lstStyle/>
+                    <a:p>
+                      <a:pPr marL="0" algn="ctr" defTabSz="914400" rtl="0" eaLnBrk="1" fontAlgn="b" latinLnBrk="0" hangingPunct="1">
+                        <a:buNone/>
+                      </a:pPr>
+                      <a:r>
+                        <a:rPr lang="en-IN" sz="1800" kern="1200">
+                          <a:solidFill>
+                            <a:schemeClr val="dk1"/>
+                          </a:solidFill>
+                          <a:latin typeface="+mn-lt"/>
+                          <a:ea typeface="+mn-ea"/>
+                          <a:cs typeface="+mn-cs"/>
+                        </a:rPr>
+                        <a:t>0.019865</a:t>
+                      </a:r>
+                    </a:p>
+                  </a:txBody>
+                  <a:tcPr marL="7620" marR="7620" marT="7620" marB="0" anchor="b"/>
+                </a:tc>
+                <a:extLst>
+                  <a:ext uri="{0D108BD9-81ED-4DB2-BD59-A6C34878D82A}">
+                    <a16:rowId xmlns:a16="http://schemas.microsoft.com/office/drawing/2014/main" val="1669554415"/>
+                  </a:ext>
+                </a:extLst>
+              </a:tr>
+              <a:tr h="370840">
+                <a:tc vMerge="1">
+                  <a:txBody>
+                    <a:bodyPr/>
+                    <a:lstStyle/>
+                    <a:p>
+                      <a:endParaRPr lang="en-IN" dirty="0"/>
+                    </a:p>
+                  </a:txBody>
+                  <a:tcPr/>
+                </a:tc>
+                <a:tc>
+                  <a:txBody>
+                    <a:bodyPr/>
+                    <a:lstStyle/>
+                    <a:p>
+                      <a:pPr algn="ctr"/>
+                      <a:r>
+                        <a:rPr lang="en-IN" dirty="0"/>
+                        <a:t>Length (Mie)</a:t>
+                      </a:r>
+                    </a:p>
+                  </a:txBody>
+                  <a:tcPr anchor="ctr"/>
+                </a:tc>
+                <a:tc>
+                  <a:txBody>
+                    <a:bodyPr/>
+                    <a:lstStyle/>
+                    <a:p>
+                      <a:pPr marL="0" algn="ctr" defTabSz="914400" rtl="0" eaLnBrk="1" fontAlgn="b" latinLnBrk="0" hangingPunct="1">
+                        <a:buNone/>
+                      </a:pPr>
+                      <a:r>
+                        <a:rPr lang="en-IN" sz="1800" kern="1200" dirty="0">
+                          <a:solidFill>
+                            <a:schemeClr val="dk1"/>
+                          </a:solidFill>
+                          <a:latin typeface="+mn-lt"/>
+                          <a:ea typeface="+mn-ea"/>
+                          <a:cs typeface="+mn-cs"/>
+                        </a:rPr>
+                        <a:t>0.99942</a:t>
+                      </a:r>
+                    </a:p>
+                  </a:txBody>
+                  <a:tcPr marL="7620" marR="7620" marT="7620" marB="0" anchor="b"/>
+                </a:tc>
+                <a:tc>
+                  <a:txBody>
+                    <a:bodyPr/>
+                    <a:lstStyle/>
+                    <a:p>
+                      <a:pPr marL="0" algn="ctr" defTabSz="914400" rtl="0" eaLnBrk="1" fontAlgn="b" latinLnBrk="0" hangingPunct="1">
+                        <a:buNone/>
+                      </a:pPr>
+                      <a:r>
+                        <a:rPr lang="en-IN" sz="1800" kern="1200" dirty="0">
+                          <a:solidFill>
+                            <a:schemeClr val="dk1"/>
+                          </a:solidFill>
+                          <a:latin typeface="+mn-lt"/>
+                          <a:ea typeface="+mn-ea"/>
+                          <a:cs typeface="+mn-cs"/>
+                        </a:rPr>
+                        <a:t>0.908359</a:t>
+                      </a:r>
+                    </a:p>
+                  </a:txBody>
+                  <a:tcPr marL="7620" marR="7620" marT="7620" marB="0" anchor="b"/>
+                </a:tc>
+                <a:tc>
+                  <a:txBody>
+                    <a:bodyPr/>
+                    <a:lstStyle/>
+                    <a:p>
+                      <a:pPr marL="0" algn="ctr" defTabSz="914400" rtl="0" eaLnBrk="1" fontAlgn="b" latinLnBrk="0" hangingPunct="1">
+                        <a:buNone/>
+                      </a:pPr>
+                      <a:r>
+                        <a:rPr lang="en-IN" sz="1800" kern="1200">
+                          <a:solidFill>
+                            <a:schemeClr val="dk1"/>
+                          </a:solidFill>
+                          <a:latin typeface="+mn-lt"/>
+                          <a:ea typeface="+mn-ea"/>
+                          <a:cs typeface="+mn-cs"/>
+                        </a:rPr>
+                        <a:t>1.579072</a:t>
+                      </a:r>
+                    </a:p>
+                  </a:txBody>
+                  <a:tcPr marL="7620" marR="7620" marT="7620" marB="0" anchor="b"/>
+                </a:tc>
+                <a:extLst>
+                  <a:ext uri="{0D108BD9-81ED-4DB2-BD59-A6C34878D82A}">
+                    <a16:rowId xmlns:a16="http://schemas.microsoft.com/office/drawing/2014/main" val="2910938661"/>
+                  </a:ext>
+                </a:extLst>
+              </a:tr>
+              <a:tr h="370840">
+                <a:tc vMerge="1">
+                  <a:txBody>
+                    <a:bodyPr/>
+                    <a:lstStyle/>
+                    <a:p>
+                      <a:endParaRPr lang="en-IN" dirty="0"/>
+                    </a:p>
+                  </a:txBody>
+                  <a:tcPr/>
+                </a:tc>
+                <a:tc>
+                  <a:txBody>
+                    <a:bodyPr/>
+                    <a:lstStyle/>
+                    <a:p>
+                      <a:pPr algn="ctr"/>
+                      <a:r>
+                        <a:rPr lang="en-IN" dirty="0"/>
+                        <a:t>Angle (Shadow)</a:t>
+                      </a:r>
+                    </a:p>
+                  </a:txBody>
+                  <a:tcPr anchor="ctr"/>
+                </a:tc>
+                <a:tc>
+                  <a:txBody>
+                    <a:bodyPr/>
+                    <a:lstStyle/>
+                    <a:p>
+                      <a:pPr marL="0" algn="ctr" defTabSz="914400" rtl="0" eaLnBrk="1" fontAlgn="b" latinLnBrk="0" hangingPunct="1">
+                        <a:buNone/>
+                      </a:pPr>
+                      <a:r>
+                        <a:rPr lang="en-IN" sz="1800" kern="1200" dirty="0">
+                          <a:solidFill>
+                            <a:schemeClr val="dk1"/>
+                          </a:solidFill>
+                          <a:latin typeface="+mn-lt"/>
+                          <a:ea typeface="+mn-ea"/>
+                          <a:cs typeface="+mn-cs"/>
+                        </a:rPr>
+                        <a:t>0.993257</a:t>
+                      </a:r>
+                    </a:p>
+                  </a:txBody>
+                  <a:tcPr marL="7620" marR="7620" marT="7620" marB="0" anchor="b"/>
+                </a:tc>
+                <a:tc>
+                  <a:txBody>
+                    <a:bodyPr/>
+                    <a:lstStyle/>
+                    <a:p>
+                      <a:pPr marL="0" algn="ctr" defTabSz="914400" rtl="0" eaLnBrk="1" fontAlgn="b" latinLnBrk="0" hangingPunct="1">
+                        <a:buNone/>
+                      </a:pPr>
+                      <a:r>
+                        <a:rPr lang="en-IN" sz="1800" kern="1200" dirty="0">
+                          <a:solidFill>
+                            <a:schemeClr val="dk1"/>
+                          </a:solidFill>
+                          <a:latin typeface="+mn-lt"/>
+                          <a:ea typeface="+mn-ea"/>
+                          <a:cs typeface="+mn-cs"/>
+                        </a:rPr>
+                        <a:t>0.068814</a:t>
+                      </a:r>
+                    </a:p>
+                  </a:txBody>
+                  <a:tcPr marL="7620" marR="7620" marT="7620" marB="0" anchor="b"/>
+                </a:tc>
+                <a:tc>
+                  <a:txBody>
+                    <a:bodyPr/>
+                    <a:lstStyle/>
+                    <a:p>
+                      <a:pPr marL="0" algn="ctr" defTabSz="914400" rtl="0" eaLnBrk="1" fontAlgn="b" latinLnBrk="0" hangingPunct="1">
+                        <a:buNone/>
+                      </a:pPr>
+                      <a:r>
+                        <a:rPr lang="en-IN" sz="1800" kern="1200">
+                          <a:solidFill>
+                            <a:schemeClr val="dk1"/>
+                          </a:solidFill>
+                          <a:latin typeface="+mn-lt"/>
+                          <a:ea typeface="+mn-ea"/>
+                          <a:cs typeface="+mn-cs"/>
+                        </a:rPr>
+                        <a:t>0.009617</a:t>
+                      </a:r>
+                    </a:p>
+                  </a:txBody>
+                  <a:tcPr marL="7620" marR="7620" marT="7620" marB="0" anchor="b"/>
+                </a:tc>
+                <a:extLst>
+                  <a:ext uri="{0D108BD9-81ED-4DB2-BD59-A6C34878D82A}">
+                    <a16:rowId xmlns:a16="http://schemas.microsoft.com/office/drawing/2014/main" val="3622457021"/>
+                  </a:ext>
+                </a:extLst>
+              </a:tr>
+              <a:tr h="370840">
+                <a:tc vMerge="1">
+                  <a:txBody>
+                    <a:bodyPr/>
+                    <a:lstStyle/>
+                    <a:p>
+                      <a:endParaRPr lang="en-IN" dirty="0"/>
+                    </a:p>
+                  </a:txBody>
+                  <a:tcPr/>
+                </a:tc>
+                <a:tc>
+                  <a:txBody>
+                    <a:bodyPr/>
+                    <a:lstStyle/>
+                    <a:p>
+                      <a:pPr algn="ctr"/>
+                      <a:r>
+                        <a:rPr lang="en-IN" dirty="0"/>
+                        <a:t>Length (Shadow</a:t>
+                      </a:r>
+                    </a:p>
+                  </a:txBody>
+                  <a:tcPr anchor="ctr"/>
+                </a:tc>
+                <a:tc>
+                  <a:txBody>
+                    <a:bodyPr/>
+                    <a:lstStyle/>
+                    <a:p>
+                      <a:pPr marL="0" algn="ctr" defTabSz="914400" rtl="0" eaLnBrk="1" fontAlgn="b" latinLnBrk="0" hangingPunct="1">
+                        <a:buNone/>
+                      </a:pPr>
+                      <a:r>
+                        <a:rPr lang="en-IN" sz="1800" kern="1200">
+                          <a:solidFill>
+                            <a:schemeClr val="dk1"/>
+                          </a:solidFill>
+                          <a:latin typeface="+mn-lt"/>
+                          <a:ea typeface="+mn-ea"/>
+                          <a:cs typeface="+mn-cs"/>
+                        </a:rPr>
+                        <a:t>0.999481</a:t>
+                      </a:r>
+                    </a:p>
+                  </a:txBody>
+                  <a:tcPr marL="7620" marR="7620" marT="7620" marB="0" anchor="b"/>
+                </a:tc>
+                <a:tc>
+                  <a:txBody>
+                    <a:bodyPr/>
+                    <a:lstStyle/>
+                    <a:p>
+                      <a:pPr marL="0" algn="ctr" defTabSz="914400" rtl="0" eaLnBrk="1" fontAlgn="b" latinLnBrk="0" hangingPunct="1">
+                        <a:buNone/>
+                      </a:pPr>
+                      <a:r>
+                        <a:rPr lang="en-IN" sz="1800" kern="1200" dirty="0">
+                          <a:solidFill>
+                            <a:schemeClr val="dk1"/>
+                          </a:solidFill>
+                          <a:latin typeface="+mn-lt"/>
+                          <a:ea typeface="+mn-ea"/>
+                          <a:cs typeface="+mn-cs"/>
+                        </a:rPr>
+                        <a:t>0.890721</a:t>
+                      </a:r>
+                    </a:p>
+                  </a:txBody>
+                  <a:tcPr marL="7620" marR="7620" marT="7620" marB="0" anchor="b"/>
+                </a:tc>
+                <a:tc>
+                  <a:txBody>
+                    <a:bodyPr/>
+                    <a:lstStyle/>
+                    <a:p>
+                      <a:pPr marL="0" algn="ctr" defTabSz="914400" rtl="0" eaLnBrk="1" fontAlgn="b" latinLnBrk="0" hangingPunct="1">
+                        <a:buNone/>
+                      </a:pPr>
+                      <a:r>
+                        <a:rPr lang="en-IN" sz="1800" kern="1200" dirty="0">
+                          <a:solidFill>
+                            <a:schemeClr val="dk1"/>
+                          </a:solidFill>
+                          <a:latin typeface="+mn-lt"/>
+                          <a:ea typeface="+mn-ea"/>
+                          <a:cs typeface="+mn-cs"/>
+                        </a:rPr>
+                        <a:t>1.522695</a:t>
+                      </a:r>
+                    </a:p>
+                  </a:txBody>
+                  <a:tcPr marL="7620" marR="7620" marT="7620" marB="0" anchor="b"/>
+                </a:tc>
+                <a:extLst>
+                  <a:ext uri="{0D108BD9-81ED-4DB2-BD59-A6C34878D82A}">
+                    <a16:rowId xmlns:a16="http://schemas.microsoft.com/office/drawing/2014/main" val="4116193355"/>
+                  </a:ext>
+                </a:extLst>
+              </a:tr>
+              <a:tr h="370840">
+                <a:tc rowSpan="4">
+                  <a:txBody>
+                    <a:bodyPr/>
+                    <a:lstStyle/>
+                    <a:p>
+                      <a:pPr algn="ctr"/>
+                      <a:r>
+                        <a:rPr lang="en-IN" dirty="0"/>
+                        <a:t>Artificial Neural Network (ANN)</a:t>
+                      </a:r>
+                    </a:p>
+                  </a:txBody>
+                  <a:tcPr anchor="ctr"/>
+                </a:tc>
+                <a:tc>
+                  <a:txBody>
+                    <a:bodyPr/>
+                    <a:lstStyle/>
+                    <a:p>
+                      <a:pPr algn="ctr"/>
+                      <a:r>
+                        <a:rPr lang="en-IN" dirty="0"/>
+                        <a:t>Angle (Mie)</a:t>
+                      </a:r>
+                    </a:p>
+                  </a:txBody>
+                  <a:tcPr anchor="ctr"/>
+                </a:tc>
+                <a:tc>
+                  <a:txBody>
+                    <a:bodyPr/>
+                    <a:lstStyle/>
+                    <a:p>
+                      <a:pPr algn="ctr"/>
+                      <a:r>
+                        <a:rPr lang="en-IN" dirty="0"/>
+                        <a:t>0.9910</a:t>
+                      </a:r>
+                    </a:p>
+                  </a:txBody>
+                  <a:tcPr anchor="ctr"/>
+                </a:tc>
+                <a:tc>
+                  <a:txBody>
+                    <a:bodyPr/>
+                    <a:lstStyle/>
+                    <a:p>
+                      <a:pPr algn="ctr"/>
+                      <a:r>
+                        <a:rPr lang="en-IN" dirty="0"/>
+                        <a:t>0.0954</a:t>
+                      </a:r>
+                    </a:p>
+                  </a:txBody>
+                  <a:tcPr anchor="ctr"/>
+                </a:tc>
+                <a:tc>
+                  <a:txBody>
+                    <a:bodyPr/>
+                    <a:lstStyle/>
+                    <a:p>
+                      <a:pPr algn="ctr"/>
+                      <a:r>
+                        <a:rPr lang="en-IN" dirty="0"/>
+                        <a:t>0.0140</a:t>
+                      </a:r>
+                    </a:p>
+                  </a:txBody>
+                  <a:tcPr anchor="ctr"/>
+                </a:tc>
+                <a:extLst>
+                  <a:ext uri="{0D108BD9-81ED-4DB2-BD59-A6C34878D82A}">
+                    <a16:rowId xmlns:a16="http://schemas.microsoft.com/office/drawing/2014/main" val="3900460876"/>
+                  </a:ext>
+                </a:extLst>
+              </a:tr>
+              <a:tr h="370840">
+                <a:tc vMerge="1">
+                  <a:txBody>
+                    <a:bodyPr/>
+                    <a:lstStyle/>
+                    <a:p>
+                      <a:endParaRPr lang="en-IN" dirty="0"/>
+                    </a:p>
+                  </a:txBody>
+                  <a:tcPr/>
+                </a:tc>
+                <a:tc>
+                  <a:txBody>
+                    <a:bodyPr/>
+                    <a:lstStyle/>
+                    <a:p>
+                      <a:pPr algn="ctr"/>
+                      <a:r>
+                        <a:rPr lang="en-IN" dirty="0"/>
+                        <a:t>Length (Mie)</a:t>
+                      </a:r>
+                    </a:p>
+                  </a:txBody>
+                  <a:tcPr anchor="ctr"/>
+                </a:tc>
+                <a:tc>
+                  <a:txBody>
+                    <a:bodyPr/>
+                    <a:lstStyle/>
+                    <a:p>
+                      <a:pPr algn="ctr"/>
+                      <a:r>
+                        <a:rPr lang="en-IN" dirty="0"/>
+                        <a:t>0.9924</a:t>
+                      </a:r>
+                    </a:p>
+                  </a:txBody>
+                  <a:tcPr anchor="ctr"/>
+                </a:tc>
+                <a:tc>
+                  <a:txBody>
+                    <a:bodyPr/>
+                    <a:lstStyle/>
+                    <a:p>
+                      <a:pPr algn="ctr"/>
+                      <a:r>
+                        <a:rPr lang="en-IN" dirty="0"/>
+                        <a:t>3.3012</a:t>
+                      </a:r>
+                    </a:p>
+                  </a:txBody>
+                  <a:tcPr anchor="ctr"/>
+                </a:tc>
+                <a:tc>
+                  <a:txBody>
+                    <a:bodyPr/>
+                    <a:lstStyle/>
+                    <a:p>
+                      <a:pPr algn="ctr"/>
+                      <a:r>
+                        <a:rPr lang="en-IN" dirty="0"/>
+                        <a:t>20.5885</a:t>
+                      </a:r>
+                    </a:p>
+                  </a:txBody>
+                  <a:tcPr anchor="ctr"/>
+                </a:tc>
+                <a:extLst>
+                  <a:ext uri="{0D108BD9-81ED-4DB2-BD59-A6C34878D82A}">
+                    <a16:rowId xmlns:a16="http://schemas.microsoft.com/office/drawing/2014/main" val="3553377849"/>
+                  </a:ext>
+                </a:extLst>
+              </a:tr>
+              <a:tr h="370840">
+                <a:tc vMerge="1">
+                  <a:txBody>
+                    <a:bodyPr/>
+                    <a:lstStyle/>
+                    <a:p>
+                      <a:endParaRPr lang="en-IN" dirty="0"/>
+                    </a:p>
+                  </a:txBody>
+                  <a:tcPr/>
+                </a:tc>
+                <a:tc>
+                  <a:txBody>
+                    <a:bodyPr/>
+                    <a:lstStyle/>
+                    <a:p>
+                      <a:pPr algn="ctr"/>
+                      <a:r>
+                        <a:rPr lang="en-IN" dirty="0"/>
+                        <a:t>Angle (Shadow)</a:t>
+                      </a:r>
+                    </a:p>
+                  </a:txBody>
+                  <a:tcPr anchor="ctr"/>
+                </a:tc>
+                <a:tc>
+                  <a:txBody>
+                    <a:bodyPr/>
+                    <a:lstStyle/>
+                    <a:p>
+                      <a:pPr algn="ctr"/>
+                      <a:r>
+                        <a:rPr lang="en-IN" dirty="0"/>
+                        <a:t>0.9849</a:t>
+                      </a:r>
+                    </a:p>
+                  </a:txBody>
+                  <a:tcPr anchor="ctr"/>
+                </a:tc>
+                <a:tc>
+                  <a:txBody>
+                    <a:bodyPr/>
+                    <a:lstStyle/>
+                    <a:p>
+                      <a:pPr algn="ctr"/>
+                      <a:r>
+                        <a:rPr lang="en-IN" dirty="0"/>
+                        <a:t>0.1192</a:t>
+                      </a:r>
+                    </a:p>
+                  </a:txBody>
+                  <a:tcPr anchor="ctr"/>
+                </a:tc>
+                <a:tc>
+                  <a:txBody>
+                    <a:bodyPr/>
+                    <a:lstStyle/>
+                    <a:p>
+                      <a:pPr algn="ctr"/>
+                      <a:r>
+                        <a:rPr lang="en-IN" dirty="0"/>
+                        <a:t>0.0216</a:t>
+                      </a:r>
+                    </a:p>
+                  </a:txBody>
+                  <a:tcPr anchor="ctr"/>
+                </a:tc>
+                <a:extLst>
+                  <a:ext uri="{0D108BD9-81ED-4DB2-BD59-A6C34878D82A}">
+                    <a16:rowId xmlns:a16="http://schemas.microsoft.com/office/drawing/2014/main" val="2832154805"/>
+                  </a:ext>
+                </a:extLst>
+              </a:tr>
+              <a:tr h="370840">
+                <a:tc vMerge="1">
+                  <a:txBody>
+                    <a:bodyPr/>
+                    <a:lstStyle/>
+                    <a:p>
+                      <a:endParaRPr lang="en-IN" dirty="0"/>
+                    </a:p>
+                  </a:txBody>
+                  <a:tcPr/>
+                </a:tc>
+                <a:tc>
+                  <a:txBody>
+                    <a:bodyPr/>
+                    <a:lstStyle/>
+                    <a:p>
+                      <a:pPr algn="ctr"/>
+                      <a:r>
+                        <a:rPr lang="en-IN" dirty="0"/>
+                        <a:t>Length (Shadow</a:t>
+                      </a:r>
+                    </a:p>
+                  </a:txBody>
+                  <a:tcPr anchor="ctr"/>
+                </a:tc>
+                <a:tc>
+                  <a:txBody>
+                    <a:bodyPr/>
+                    <a:lstStyle/>
+                    <a:p>
+                      <a:pPr algn="ctr"/>
+                      <a:r>
+                        <a:rPr lang="en-IN" dirty="0"/>
+                        <a:t>0.9932</a:t>
+                      </a:r>
+                    </a:p>
+                  </a:txBody>
+                  <a:tcPr anchor="ctr"/>
+                </a:tc>
+                <a:tc>
+                  <a:txBody>
+                    <a:bodyPr/>
+                    <a:lstStyle/>
+                    <a:p>
+                      <a:pPr algn="ctr"/>
+                      <a:r>
+                        <a:rPr lang="en-IN" dirty="0"/>
+                        <a:t>3.1945</a:t>
+                      </a:r>
+                    </a:p>
+                  </a:txBody>
+                  <a:tcPr anchor="ctr"/>
+                </a:tc>
+                <a:tc>
+                  <a:txBody>
+                    <a:bodyPr/>
+                    <a:lstStyle/>
+                    <a:p>
+                      <a:pPr algn="ctr"/>
+                      <a:r>
+                        <a:rPr lang="en-IN" dirty="0"/>
+                        <a:t>20.0414</a:t>
+                      </a:r>
+                    </a:p>
+                  </a:txBody>
+                  <a:tcPr anchor="ctr"/>
+                </a:tc>
+                <a:extLst>
+                  <a:ext uri="{0D108BD9-81ED-4DB2-BD59-A6C34878D82A}">
+                    <a16:rowId xmlns:a16="http://schemas.microsoft.com/office/drawing/2014/main" val="2200717601"/>
+                  </a:ext>
+                </a:extLst>
+              </a:tr>
+            </a:tbl>
+          </a:graphicData>
+        </a:graphic>
+      </p:graphicFrame>
+    </p:spTree>
+    <p:extLst>
+      <p:ext uri="{BB962C8B-B14F-4D97-AF65-F5344CB8AC3E}">
+        <p14:creationId xmlns:p14="http://schemas.microsoft.com/office/powerpoint/2010/main" val="3345037368"/>
+      </p:ext>
+    </p:extLst>
+  </p:cSld>
+  <p:clrMapOvr>
+    <a:masterClrMapping/>
+  </p:clrMapOvr>
+</p:sld>
+</file>
+
+<file path=ppt/slides/slide8.xml><?xml version="1.0" encoding="utf-8"?>
+<p:sld xmlns:a="http://schemas.openxmlformats.org/drawingml/2006/main" xmlns:r="http://schemas.openxmlformats.org/officeDocument/2006/relationships" xmlns:p="http://schemas.openxmlformats.org/presentationml/2006/main">
+  <p:cSld>
+    <p:spTree>
+      <p:nvGrpSpPr>
+        <p:cNvPr id="1" name="">
+          <a:extLst>
+            <a:ext uri="{FF2B5EF4-FFF2-40B4-BE49-F238E27FC236}">
+              <a16:creationId xmlns:a16="http://schemas.microsoft.com/office/drawing/2014/main" id="{A8EE7FD1-AC61-09E0-8237-C443987BEFFB}"/>
+            </a:ext>
+          </a:extLst>
+        </p:cNvPr>
+        <p:cNvGrpSpPr/>
+        <p:nvPr/>
+      </p:nvGrpSpPr>
+      <p:grpSpPr>
+        <a:xfrm>
+          <a:off x="0" y="0"/>
+          <a:ext cx="0" cy="0"/>
+          <a:chOff x="0" y="0"/>
+          <a:chExt cx="0" cy="0"/>
+        </a:xfrm>
+      </p:grpSpPr>
+      <p:sp>
+        <p:nvSpPr>
+          <p:cNvPr id="2" name="Title 1">
+            <a:extLst>
+              <a:ext uri="{FF2B5EF4-FFF2-40B4-BE49-F238E27FC236}">
+                <a16:creationId xmlns:a16="http://schemas.microsoft.com/office/drawing/2014/main" id="{747F2F18-F1AB-45BA-458A-F89B0B8D0D09}"/>
+              </a:ext>
+            </a:extLst>
+          </p:cNvPr>
+          <p:cNvSpPr>
+            <a:spLocks noGrp="1"/>
+          </p:cNvSpPr>
+          <p:nvPr>
+            <p:ph type="title"/>
+          </p:nvPr>
+        </p:nvSpPr>
+        <p:spPr/>
+        <p:txBody>
+          <a:bodyPr/>
+          <a:lstStyle/>
+          <a:p>
+            <a:r>
+              <a:rPr lang="en-IN" dirty="0"/>
+              <a:t>True vs Predicted for all 6 baseline ML models</a:t>
+            </a:r>
+          </a:p>
+        </p:txBody>
+      </p:sp>
+      <p:pic>
+        <p:nvPicPr>
+          <p:cNvPr id="5" name="Content Placeholder 4">
+            <a:extLst>
+              <a:ext uri="{FF2B5EF4-FFF2-40B4-BE49-F238E27FC236}">
+                <a16:creationId xmlns:a16="http://schemas.microsoft.com/office/drawing/2014/main" id="{1E135235-5BAE-9395-BCFE-14A23F346641}"/>
+              </a:ext>
+            </a:extLst>
+          </p:cNvPr>
+          <p:cNvPicPr>
+            <a:picLocks noGrp="1" noChangeAspect="1"/>
+          </p:cNvPicPr>
+          <p:nvPr>
+            <p:ph idx="1"/>
+          </p:nvPr>
+        </p:nvPicPr>
+        <p:blipFill>
+          <a:blip r:embed="rId2"/>
+          <a:stretch>
+            <a:fillRect/>
+          </a:stretch>
+        </p:blipFill>
+        <p:spPr>
+          <a:xfrm>
+            <a:off x="458819" y="2343831"/>
+            <a:ext cx="2712101" cy="2836757"/>
+          </a:xfrm>
+          <a:prstGeom prst="rect">
+            <a:avLst/>
+          </a:prstGeom>
+        </p:spPr>
+      </p:pic>
+      <p:pic>
+        <p:nvPicPr>
+          <p:cNvPr id="7" name="Picture 6">
+            <a:extLst>
+              <a:ext uri="{FF2B5EF4-FFF2-40B4-BE49-F238E27FC236}">
+                <a16:creationId xmlns:a16="http://schemas.microsoft.com/office/drawing/2014/main" id="{5924CCEA-5E6F-93A1-42C4-89CD27A71A55}"/>
+              </a:ext>
+            </a:extLst>
+          </p:cNvPr>
+          <p:cNvPicPr>
+            <a:picLocks noChangeAspect="1"/>
+          </p:cNvPicPr>
+          <p:nvPr/>
+        </p:nvPicPr>
+        <p:blipFill>
+          <a:blip r:embed="rId3"/>
+          <a:stretch>
+            <a:fillRect/>
+          </a:stretch>
+        </p:blipFill>
+        <p:spPr>
+          <a:xfrm>
+            <a:off x="3136323" y="2291163"/>
+            <a:ext cx="2776214" cy="2891271"/>
+          </a:xfrm>
+          <a:prstGeom prst="rect">
+            <a:avLst/>
+          </a:prstGeom>
+        </p:spPr>
+      </p:pic>
+      <p:pic>
+        <p:nvPicPr>
+          <p:cNvPr id="9" name="Picture 8">
+            <a:extLst>
+              <a:ext uri="{FF2B5EF4-FFF2-40B4-BE49-F238E27FC236}">
+                <a16:creationId xmlns:a16="http://schemas.microsoft.com/office/drawing/2014/main" id="{30C9F8FB-D6D0-B392-09C4-E9ADB9D18A4D}"/>
+              </a:ext>
+            </a:extLst>
+          </p:cNvPr>
+          <p:cNvPicPr>
+            <a:picLocks noChangeAspect="1"/>
+          </p:cNvPicPr>
+          <p:nvPr/>
+        </p:nvPicPr>
+        <p:blipFill>
+          <a:blip r:embed="rId4"/>
+          <a:stretch>
+            <a:fillRect/>
+          </a:stretch>
+        </p:blipFill>
+        <p:spPr>
+          <a:xfrm>
+            <a:off x="5818467" y="2155355"/>
+            <a:ext cx="2888740" cy="3172414"/>
+          </a:xfrm>
+          <a:prstGeom prst="rect">
+            <a:avLst/>
+          </a:prstGeom>
+        </p:spPr>
+      </p:pic>
+      <p:pic>
+        <p:nvPicPr>
+          <p:cNvPr id="11" name="Picture 10">
+            <a:extLst>
+              <a:ext uri="{FF2B5EF4-FFF2-40B4-BE49-F238E27FC236}">
+                <a16:creationId xmlns:a16="http://schemas.microsoft.com/office/drawing/2014/main" id="{50F6B065-C10D-8C55-90AF-FC8251A86F21}"/>
+              </a:ext>
+            </a:extLst>
+          </p:cNvPr>
+          <p:cNvPicPr>
+            <a:picLocks noChangeAspect="1"/>
+          </p:cNvPicPr>
+          <p:nvPr/>
+        </p:nvPicPr>
+        <p:blipFill>
+          <a:blip r:embed="rId5"/>
+          <a:stretch>
+            <a:fillRect/>
+          </a:stretch>
+        </p:blipFill>
+        <p:spPr>
+          <a:xfrm>
+            <a:off x="8736344" y="2213694"/>
+            <a:ext cx="2931407" cy="3051641"/>
+          </a:xfrm>
+          <a:prstGeom prst="rect">
+            <a:avLst/>
+          </a:prstGeom>
+        </p:spPr>
+      </p:pic>
+    </p:spTree>
+    <p:extLst>
+      <p:ext uri="{BB962C8B-B14F-4D97-AF65-F5344CB8AC3E}">
+        <p14:creationId xmlns:p14="http://schemas.microsoft.com/office/powerpoint/2010/main" val="3662643805"/>
+      </p:ext>
+    </p:extLst>
+  </p:cSld>
+  <p:clrMapOvr>
+    <a:masterClrMapping/>
+  </p:clrMapOvr>
+</p:sld>
+</file>
+
+<file path=ppt/slides/slide9.xml><?xml version="1.0" encoding="utf-8"?>
+<p:sld xmlns:a="http://schemas.openxmlformats.org/drawingml/2006/main" xmlns:r="http://schemas.openxmlformats.org/officeDocument/2006/relationships" xmlns:p="http://schemas.openxmlformats.org/presentationml/2006/main">
+  <p:cSld>
+    <p:bg>
+      <p:bgPr>
+        <a:solidFill>
+          <a:schemeClr val="bg1"/>
+        </a:solidFill>
+        <a:effectLst/>
+      </p:bgPr>
+    </p:bg>
+    <p:spTree>
+      <p:nvGrpSpPr>
+        <p:cNvPr id="1" name=""/>
+        <p:cNvGrpSpPr/>
+        <p:nvPr/>
+      </p:nvGrpSpPr>
+      <p:grpSpPr>
+        <a:xfrm>
+          <a:off x="0" y="0"/>
+          <a:ext cx="0" cy="0"/>
+          <a:chOff x="0" y="0"/>
+          <a:chExt cx="0" cy="0"/>
+        </a:xfrm>
+      </p:grpSpPr>
+      <p:sp>
+        <p:nvSpPr>
+          <p:cNvPr id="10" name="Rectangle 9">
+            <a:extLst>
+              <a:ext uri="{FF2B5EF4-FFF2-40B4-BE49-F238E27FC236}">
+                <a16:creationId xmlns:a16="http://schemas.microsoft.com/office/drawing/2014/main" id="{F3060C83-F051-4F0E-ABAD-AA0DFC48B218}"/>
+              </a:ext>
+              <a:ext uri="{C183D7F6-B498-43B3-948B-1728B52AA6E4}">
+                <adec:decorative xmlns:adec="http://schemas.microsoft.com/office/drawing/2017/decorative" val="1"/>
+              </a:ext>
+            </a:extLst>
+          </p:cNvPr>
+          <p:cNvSpPr>
+            <a:spLocks noGrp="1" noRot="1" noChangeAspect="1" noMove="1" noResize="1" noEditPoints="1" noAdjustHandles="1" noChangeArrowheads="1" noChangeShapeType="1" noTextEdit="1"/>
+          </p:cNvSpPr>
+          <p:nvPr>
+            <p:extLst>
+              <p:ext uri="{386F3935-93C4-4BCD-93E2-E3B085C9AB24}">
+                <p16:designElem xmlns:p16="http://schemas.microsoft.com/office/powerpoint/2015/main" val="1"/>
+              </p:ext>
+            </p:extLst>
+          </p:nvPr>
+        </p:nvSpPr>
+        <p:spPr>
+          <a:xfrm>
+            <a:off x="0" y="0"/>
+            <a:ext cx="12192000" cy="6858000"/>
+          </a:xfrm>
+          <a:prstGeom prst="rect">
+            <a:avLst/>
+          </a:prstGeom>
+          <a:solidFill>
+            <a:schemeClr val="bg1"/>
+          </a:solidFill>
+          <a:ln>
+            <a:noFill/>
+          </a:ln>
+        </p:spPr>
+        <p:style>
+          <a:lnRef idx="2">
+            <a:schemeClr val="accent1">
+              <a:shade val="50000"/>
+            </a:schemeClr>
+          </a:lnRef>
+          <a:fillRef idx="1">
+            <a:schemeClr val="accent1"/>
+          </a:fillRef>
+          <a:effectRef idx="0">
+            <a:schemeClr val="accent1"/>
+          </a:effectRef>
+          <a:fontRef idx="minor">
+            <a:schemeClr val="lt1"/>
+          </a:fontRef>
+        </p:style>
+        <p:txBody>
+          <a:bodyPr rtlCol="0" anchor="ctr"/>
+          <a:lstStyle/>
+          <a:p>
+            <a:pPr algn="ctr"/>
+            <a:endParaRPr lang="en-US" dirty="0"/>
+          </a:p>
+        </p:txBody>
+      </p:sp>
+      <p:sp>
+        <p:nvSpPr>
+          <p:cNvPr id="12" name="Freeform: Shape 11">
+            <a:extLst>
+              <a:ext uri="{FF2B5EF4-FFF2-40B4-BE49-F238E27FC236}">
+                <a16:creationId xmlns:a16="http://schemas.microsoft.com/office/drawing/2014/main" id="{83C98ABE-055B-441F-B07E-44F97F083C39}"/>
+              </a:ext>
+              <a:ext uri="{C183D7F6-B498-43B3-948B-1728B52AA6E4}">
+                <adec:decorative xmlns:adec="http://schemas.microsoft.com/office/drawing/2017/decorative" val="1"/>
+              </a:ext>
+            </a:extLst>
+          </p:cNvPr>
+          <p:cNvSpPr>
+            <a:spLocks noGrp="1" noRot="1" noChangeAspect="1" noMove="1" noResize="1" noEditPoints="1" noAdjustHandles="1" noChangeArrowheads="1" noChangeShapeType="1" noTextEdit="1"/>
+          </p:cNvSpPr>
+          <p:nvPr>
+            <p:extLst>
+              <p:ext uri="{386F3935-93C4-4BCD-93E2-E3B085C9AB24}">
+                <p16:designElem xmlns:p16="http://schemas.microsoft.com/office/powerpoint/2015/main" val="1"/>
+              </p:ext>
+            </p:extLst>
+          </p:nvPr>
+        </p:nvSpPr>
+        <p:spPr>
+          <a:xfrm rot="18900000" flipH="1">
+            <a:off x="-376156" y="-253670"/>
+            <a:ext cx="1827638" cy="1376989"/>
+          </a:xfrm>
+          <a:custGeom>
+            <a:avLst/>
+            <a:gdLst>
+              <a:gd name="connsiteX0" fmla="*/ 0 w 1827638"/>
+              <a:gd name="connsiteY0" fmla="*/ 987379 h 1376989"/>
+              <a:gd name="connsiteX1" fmla="*/ 987379 w 1827638"/>
+              <a:gd name="connsiteY1" fmla="*/ 0 h 1376989"/>
+              <a:gd name="connsiteX2" fmla="*/ 1827638 w 1827638"/>
+              <a:gd name="connsiteY2" fmla="*/ 840260 h 1376989"/>
+              <a:gd name="connsiteX3" fmla="*/ 1827638 w 1827638"/>
+              <a:gd name="connsiteY3" fmla="*/ 1376989 h 1376989"/>
+              <a:gd name="connsiteX4" fmla="*/ 0 w 1827638"/>
+              <a:gd name="connsiteY4" fmla="*/ 1376989 h 1376989"/>
+            </a:gdLst>
+            <a:ahLst/>
+            <a:cxnLst>
+              <a:cxn ang="0">
+                <a:pos x="connsiteX0" y="connsiteY0"/>
+              </a:cxn>
+              <a:cxn ang="0">
+                <a:pos x="connsiteX1" y="connsiteY1"/>
+              </a:cxn>
+              <a:cxn ang="0">
+                <a:pos x="connsiteX2" y="connsiteY2"/>
+              </a:cxn>
+              <a:cxn ang="0">
+                <a:pos x="connsiteX3" y="connsiteY3"/>
+              </a:cxn>
+              <a:cxn ang="0">
+                <a:pos x="connsiteX4" y="connsiteY4"/>
+              </a:cxn>
+            </a:cxnLst>
+            <a:rect l="l" t="t" r="r" b="b"/>
+            <a:pathLst>
+              <a:path w="1827638" h="1376989">
+                <a:moveTo>
+                  <a:pt x="0" y="987379"/>
+                </a:moveTo>
+                <a:lnTo>
+                  <a:pt x="987379" y="0"/>
+                </a:lnTo>
+                <a:lnTo>
+                  <a:pt x="1827638" y="840260"/>
+                </a:lnTo>
+                <a:lnTo>
+                  <a:pt x="1827638" y="1376989"/>
+                </a:lnTo>
+                <a:lnTo>
+                  <a:pt x="0" y="1376989"/>
+                </a:lnTo>
+                <a:close/>
+              </a:path>
+            </a:pathLst>
+          </a:custGeom>
+          <a:solidFill>
+            <a:schemeClr val="accent1">
+              <a:alpha val="30000"/>
+            </a:schemeClr>
+          </a:solidFill>
+          <a:ln>
+            <a:noFill/>
+          </a:ln>
+        </p:spPr>
+        <p:style>
+          <a:lnRef idx="2">
+            <a:schemeClr val="accent1">
+              <a:shade val="50000"/>
+            </a:schemeClr>
+          </a:lnRef>
+          <a:fillRef idx="1">
+            <a:schemeClr val="accent1"/>
+          </a:fillRef>
+          <a:effectRef idx="0">
+            <a:schemeClr val="accent1"/>
+          </a:effectRef>
+          <a:fontRef idx="minor">
+            <a:schemeClr val="lt1"/>
+          </a:fontRef>
+        </p:style>
+        <p:txBody>
+          <a:bodyPr rtlCol="0" anchor="ctr"/>
+          <a:lstStyle/>
+          <a:p>
+            <a:pPr algn="ctr"/>
+            <a:endParaRPr lang="en-US" dirty="0"/>
+          </a:p>
+        </p:txBody>
+      </p:sp>
+      <p:sp>
+        <p:nvSpPr>
+          <p:cNvPr id="14" name="Rectangle 13">
+            <a:extLst>
+              <a:ext uri="{FF2B5EF4-FFF2-40B4-BE49-F238E27FC236}">
+                <a16:creationId xmlns:a16="http://schemas.microsoft.com/office/drawing/2014/main" id="{29FDB030-9B49-4CED-8CCD-4D99382388AC}"/>
+              </a:ext>
+              <a:ext uri="{C183D7F6-B498-43B3-948B-1728B52AA6E4}">
+                <adec:decorative xmlns:adec="http://schemas.microsoft.com/office/drawing/2017/decorative" val="1"/>
+              </a:ext>
+            </a:extLst>
+          </p:cNvPr>
+          <p:cNvSpPr>
+            <a:spLocks noGrp="1" noRot="1" noChangeAspect="1" noMove="1" noResize="1" noEditPoints="1" noAdjustHandles="1" noChangeArrowheads="1" noChangeShapeType="1" noTextEdit="1"/>
+          </p:cNvSpPr>
+          <p:nvPr>
+            <p:extLst>
+              <p:ext uri="{386F3935-93C4-4BCD-93E2-E3B085C9AB24}">
+                <p16:designElem xmlns:p16="http://schemas.microsoft.com/office/powerpoint/2015/main" val="1"/>
+              </p:ext>
+            </p:extLst>
+          </p:nvPr>
+        </p:nvSpPr>
+        <p:spPr>
+          <a:xfrm rot="18900000" flipH="1">
+            <a:off x="891641" y="422146"/>
+            <a:ext cx="645368" cy="645368"/>
+          </a:xfrm>
+          <a:prstGeom prst="rect">
+            <a:avLst/>
+          </a:prstGeom>
+          <a:solidFill>
+            <a:schemeClr val="accent1">
+              <a:alpha val="30000"/>
+            </a:schemeClr>
+          </a:solidFill>
+          <a:ln>
+            <a:noFill/>
+          </a:ln>
+        </p:spPr>
+        <p:style>
+          <a:lnRef idx="2">
+            <a:schemeClr val="accent1">
+              <a:shade val="50000"/>
+            </a:schemeClr>
+          </a:lnRef>
+          <a:fillRef idx="1">
+            <a:schemeClr val="accent1"/>
+          </a:fillRef>
+          <a:effectRef idx="0">
+            <a:schemeClr val="accent1"/>
+          </a:effectRef>
+          <a:fontRef idx="minor">
+            <a:schemeClr val="lt1"/>
+          </a:fontRef>
+        </p:style>
+        <p:txBody>
+          <a:bodyPr rtlCol="0" anchor="ctr"/>
+          <a:lstStyle/>
+          <a:p>
+            <a:pPr algn="ctr"/>
+            <a:endParaRPr lang="en-US"/>
+          </a:p>
+        </p:txBody>
+      </p:sp>
+      <p:sp>
+        <p:nvSpPr>
+          <p:cNvPr id="16" name="Rectangle 15">
+            <a:extLst>
+              <a:ext uri="{FF2B5EF4-FFF2-40B4-BE49-F238E27FC236}">
+                <a16:creationId xmlns:a16="http://schemas.microsoft.com/office/drawing/2014/main" id="{3783CA14-24A1-485C-8B30-D6A5D87987AD}"/>
+              </a:ext>
+              <a:ext uri="{C183D7F6-B498-43B3-948B-1728B52AA6E4}">
+                <adec:decorative xmlns:adec="http://schemas.microsoft.com/office/drawing/2017/decorative" val="1"/>
+              </a:ext>
+            </a:extLst>
+          </p:cNvPr>
+          <p:cNvSpPr>
+            <a:spLocks noGrp="1" noRot="1" noChangeAspect="1" noMove="1" noResize="1" noEditPoints="1" noAdjustHandles="1" noChangeArrowheads="1" noChangeShapeType="1" noTextEdit="1"/>
+          </p:cNvSpPr>
+          <p:nvPr>
+            <p:extLst>
+              <p:ext uri="{386F3935-93C4-4BCD-93E2-E3B085C9AB24}">
+                <p16:designElem xmlns:p16="http://schemas.microsoft.com/office/powerpoint/2015/main" val="1"/>
+              </p:ext>
+            </p:extLst>
+          </p:nvPr>
+        </p:nvSpPr>
+        <p:spPr>
+          <a:xfrm rot="18900000" flipH="1">
+            <a:off x="10043482" y="655140"/>
+            <a:ext cx="687472" cy="687472"/>
+          </a:xfrm>
+          <a:prstGeom prst="rect">
+            <a:avLst/>
+          </a:prstGeom>
+          <a:solidFill>
+            <a:schemeClr val="accent4">
+              <a:alpha val="30000"/>
+            </a:schemeClr>
+          </a:solidFill>
+          <a:ln>
+            <a:noFill/>
+          </a:ln>
+        </p:spPr>
+        <p:style>
+          <a:lnRef idx="2">
+            <a:schemeClr val="accent1">
+              <a:shade val="50000"/>
+            </a:schemeClr>
+          </a:lnRef>
+          <a:fillRef idx="1">
+            <a:schemeClr val="accent1"/>
+          </a:fillRef>
+          <a:effectRef idx="0">
+            <a:schemeClr val="accent1"/>
+          </a:effectRef>
+          <a:fontRef idx="minor">
+            <a:schemeClr val="lt1"/>
+          </a:fontRef>
+        </p:style>
+        <p:txBody>
+          <a:bodyPr rtlCol="0" anchor="ctr"/>
+          <a:lstStyle/>
+          <a:p>
+            <a:pPr algn="ctr"/>
+            <a:endParaRPr lang="en-US"/>
+          </a:p>
+        </p:txBody>
+      </p:sp>
+      <p:sp>
+        <p:nvSpPr>
+          <p:cNvPr id="18" name="Freeform: Shape 17">
+            <a:extLst>
+              <a:ext uri="{FF2B5EF4-FFF2-40B4-BE49-F238E27FC236}">
+                <a16:creationId xmlns:a16="http://schemas.microsoft.com/office/drawing/2014/main" id="{9A97C86A-04D6-40F7-AE84-31AB43E6A846}"/>
+              </a:ext>
+              <a:ext uri="{C183D7F6-B498-43B3-948B-1728B52AA6E4}">
+                <adec:decorative xmlns:adec="http://schemas.microsoft.com/office/drawing/2017/decorative" val="1"/>
+              </a:ext>
+            </a:extLst>
+          </p:cNvPr>
+          <p:cNvSpPr>
+            <a:spLocks noGrp="1" noRot="1" noChangeAspect="1" noMove="1" noResize="1" noEditPoints="1" noAdjustHandles="1" noChangeArrowheads="1" noChangeShapeType="1" noTextEdit="1"/>
+          </p:cNvSpPr>
+          <p:nvPr>
+            <p:extLst>
+              <p:ext uri="{386F3935-93C4-4BCD-93E2-E3B085C9AB24}">
+                <p16:designElem xmlns:p16="http://schemas.microsoft.com/office/powerpoint/2015/main" val="1"/>
+              </p:ext>
+            </p:extLst>
+          </p:nvPr>
+        </p:nvSpPr>
+        <p:spPr>
+          <a:xfrm rot="10800000" flipH="1">
+            <a:off x="9356643" y="0"/>
+            <a:ext cx="2835357" cy="1480837"/>
+          </a:xfrm>
+          <a:custGeom>
+            <a:avLst/>
+            <a:gdLst>
+              <a:gd name="connsiteX0" fmla="*/ 2835357 w 2835357"/>
+              <a:gd name="connsiteY0" fmla="*/ 1480837 h 1480837"/>
+              <a:gd name="connsiteX1" fmla="*/ 0 w 2835357"/>
+              <a:gd name="connsiteY1" fmla="*/ 1480837 h 1480837"/>
+              <a:gd name="connsiteX2" fmla="*/ 1552727 w 2835357"/>
+              <a:gd name="connsiteY2" fmla="*/ 0 h 1480837"/>
+              <a:gd name="connsiteX3" fmla="*/ 2835357 w 2835357"/>
+              <a:gd name="connsiteY3" fmla="*/ 1223245 h 1480837"/>
+            </a:gdLst>
+            <a:ahLst/>
+            <a:cxnLst>
+              <a:cxn ang="0">
+                <a:pos x="connsiteX0" y="connsiteY0"/>
+              </a:cxn>
+              <a:cxn ang="0">
+                <a:pos x="connsiteX1" y="connsiteY1"/>
+              </a:cxn>
+              <a:cxn ang="0">
+                <a:pos x="connsiteX2" y="connsiteY2"/>
+              </a:cxn>
+              <a:cxn ang="0">
+                <a:pos x="connsiteX3" y="connsiteY3"/>
+              </a:cxn>
+            </a:cxnLst>
+            <a:rect l="l" t="t" r="r" b="b"/>
+            <a:pathLst>
+              <a:path w="2835357" h="1480837">
+                <a:moveTo>
+                  <a:pt x="2835357" y="1480837"/>
+                </a:moveTo>
+                <a:lnTo>
+                  <a:pt x="0" y="1480837"/>
+                </a:lnTo>
+                <a:lnTo>
+                  <a:pt x="1552727" y="0"/>
+                </a:lnTo>
+                <a:lnTo>
+                  <a:pt x="2835357" y="1223245"/>
+                </a:lnTo>
+                <a:close/>
+              </a:path>
+            </a:pathLst>
+          </a:custGeom>
+          <a:solidFill>
+            <a:schemeClr val="accent4">
+              <a:alpha val="30000"/>
+            </a:schemeClr>
+          </a:solidFill>
+          <a:ln>
+            <a:noFill/>
+          </a:ln>
+        </p:spPr>
+        <p:style>
+          <a:lnRef idx="2">
+            <a:schemeClr val="accent1">
+              <a:shade val="50000"/>
+            </a:schemeClr>
+          </a:lnRef>
+          <a:fillRef idx="1">
+            <a:schemeClr val="accent1"/>
+          </a:fillRef>
+          <a:effectRef idx="0">
+            <a:schemeClr val="accent1"/>
+          </a:effectRef>
+          <a:fontRef idx="minor">
+            <a:schemeClr val="lt1"/>
+          </a:fontRef>
+        </p:style>
+        <p:txBody>
+          <a:bodyPr wrap="square" rtlCol="0" anchor="ctr">
+            <a:noAutofit/>
+          </a:bodyPr>
+          <a:lstStyle/>
+          <a:p>
+            <a:pPr algn="ctr"/>
+            <a:endParaRPr lang="en-US" dirty="0"/>
+          </a:p>
+        </p:txBody>
+      </p:sp>
+      <p:sp>
+        <p:nvSpPr>
+          <p:cNvPr id="20" name="Isosceles Triangle 19">
+            <a:extLst>
+              <a:ext uri="{FF2B5EF4-FFF2-40B4-BE49-F238E27FC236}">
+                <a16:creationId xmlns:a16="http://schemas.microsoft.com/office/drawing/2014/main" id="{FF9F2414-84E8-453E-B1F3-389FDE8192D9}"/>
+              </a:ext>
+              <a:ext uri="{C183D7F6-B498-43B3-948B-1728B52AA6E4}">
+                <adec:decorative xmlns:adec="http://schemas.microsoft.com/office/drawing/2017/decorative" val="1"/>
+              </a:ext>
+            </a:extLst>
+          </p:cNvPr>
+          <p:cNvSpPr>
+            <a:spLocks noGrp="1" noRot="1" noChangeAspect="1" noMove="1" noResize="1" noEditPoints="1" noAdjustHandles="1" noChangeArrowheads="1" noChangeShapeType="1" noTextEdit="1"/>
+          </p:cNvSpPr>
+          <p:nvPr>
+            <p:extLst>
+              <p:ext uri="{386F3935-93C4-4BCD-93E2-E3B085C9AB24}">
+                <p16:designElem xmlns:p16="http://schemas.microsoft.com/office/powerpoint/2015/main" val="1"/>
+              </p:ext>
+            </p:extLst>
+          </p:nvPr>
+        </p:nvSpPr>
+        <p:spPr>
+          <a:xfrm flipH="1">
+            <a:off x="7976344" y="6115501"/>
+            <a:ext cx="1494513" cy="742499"/>
+          </a:xfrm>
+          <a:prstGeom prst="triangle">
+            <a:avLst/>
+          </a:prstGeom>
+          <a:solidFill>
+            <a:schemeClr val="accent1">
+              <a:alpha val="30000"/>
+            </a:schemeClr>
+          </a:solidFill>
+          <a:ln>
+            <a:noFill/>
+          </a:ln>
+        </p:spPr>
+        <p:style>
+          <a:lnRef idx="2">
+            <a:schemeClr val="accent1">
+              <a:shade val="50000"/>
+            </a:schemeClr>
+          </a:lnRef>
+          <a:fillRef idx="1">
+            <a:schemeClr val="accent1"/>
+          </a:fillRef>
+          <a:effectRef idx="0">
+            <a:schemeClr val="accent1"/>
+          </a:effectRef>
+          <a:fontRef idx="minor">
+            <a:schemeClr val="lt1"/>
+          </a:fontRef>
+        </p:style>
+        <p:txBody>
+          <a:bodyPr rtlCol="0" anchor="ctr"/>
+          <a:lstStyle/>
+          <a:p>
+            <a:pPr algn="ctr"/>
+            <a:endParaRPr lang="en-US"/>
+          </a:p>
+        </p:txBody>
+      </p:sp>
+      <p:pic>
+        <p:nvPicPr>
+          <p:cNvPr id="5" name="Content Placeholder 4" descr="A graph of different values&#10;&#10;AI-generated content may be incorrect.">
+            <a:extLst>
+              <a:ext uri="{FF2B5EF4-FFF2-40B4-BE49-F238E27FC236}">
+                <a16:creationId xmlns:a16="http://schemas.microsoft.com/office/drawing/2014/main" id="{B5FAFA0E-4FA4-71D2-57E0-5A5A219E2B4B}"/>
+              </a:ext>
+            </a:extLst>
+          </p:cNvPr>
+          <p:cNvPicPr>
+            <a:picLocks noGrp="1" noChangeAspect="1"/>
+          </p:cNvPicPr>
+          <p:nvPr>
+            <p:ph idx="4294967295"/>
+          </p:nvPr>
+        </p:nvPicPr>
+        <p:blipFill>
+          <a:blip r:embed="rId2"/>
+          <a:stretch>
+            <a:fillRect/>
+          </a:stretch>
+        </p:blipFill>
+        <p:spPr>
+          <a:xfrm>
+            <a:off x="3124766" y="643467"/>
+            <a:ext cx="5942468" cy="5571065"/>
+          </a:xfrm>
+          <a:prstGeom prst="rect">
+            <a:avLst/>
+          </a:prstGeom>
+          <a:ln>
+            <a:noFill/>
+          </a:ln>
+        </p:spPr>
+      </p:pic>
+      <p:sp>
+        <p:nvSpPr>
+          <p:cNvPr id="22" name="Isosceles Triangle 21">
+            <a:extLst>
+              <a:ext uri="{FF2B5EF4-FFF2-40B4-BE49-F238E27FC236}">
+                <a16:creationId xmlns:a16="http://schemas.microsoft.com/office/drawing/2014/main" id="{3ECA69A1-7536-43AC-85EF-C7106179F5ED}"/>
+              </a:ext>
+              <a:ext uri="{C183D7F6-B498-43B3-948B-1728B52AA6E4}">
+                <adec:decorative xmlns:adec="http://schemas.microsoft.com/office/drawing/2017/decorative" val="1"/>
+              </a:ext>
+            </a:extLst>
+          </p:cNvPr>
+          <p:cNvSpPr>
+            <a:spLocks noGrp="1" noRot="1" noChangeAspect="1" noMove="1" noResize="1" noEditPoints="1" noAdjustHandles="1" noChangeArrowheads="1" noChangeShapeType="1" noTextEdit="1"/>
+          </p:cNvSpPr>
+          <p:nvPr>
+            <p:extLst>
+              <p:ext uri="{386F3935-93C4-4BCD-93E2-E3B085C9AB24}">
+                <p16:designElem xmlns:p16="http://schemas.microsoft.com/office/powerpoint/2015/main" val="1"/>
+              </p:ext>
+            </p:extLst>
+          </p:nvPr>
+        </p:nvSpPr>
+        <p:spPr>
+          <a:xfrm flipH="1">
+            <a:off x="7604080" y="6453143"/>
+            <a:ext cx="814903" cy="404857"/>
+          </a:xfrm>
+          <a:prstGeom prst="triangle">
+            <a:avLst/>
+          </a:prstGeom>
+          <a:solidFill>
+            <a:schemeClr val="accent1">
+              <a:alpha val="30000"/>
+            </a:schemeClr>
+          </a:solidFill>
+          <a:ln>
+            <a:noFill/>
+          </a:ln>
+        </p:spPr>
+        <p:style>
+          <a:lnRef idx="2">
+            <a:schemeClr val="accent1">
+              <a:shade val="50000"/>
+            </a:schemeClr>
+          </a:lnRef>
+          <a:fillRef idx="1">
+            <a:schemeClr val="accent1"/>
+          </a:fillRef>
+          <a:effectRef idx="0">
+            <a:schemeClr val="accent1"/>
+          </a:effectRef>
+          <a:fontRef idx="minor">
+            <a:schemeClr val="lt1"/>
+          </a:fontRef>
+        </p:style>
+        <p:txBody>
+          <a:bodyPr rtlCol="0" anchor="ctr"/>
+          <a:lstStyle/>
+          <a:p>
+            <a:pPr algn="ctr"/>
+            <a:endParaRPr lang="en-US"/>
+          </a:p>
+        </p:txBody>
+      </p:sp>
+    </p:spTree>
+    <p:extLst>
+      <p:ext uri="{BB962C8B-B14F-4D97-AF65-F5344CB8AC3E}">
+        <p14:creationId xmlns:p14="http://schemas.microsoft.com/office/powerpoint/2010/main" val="3290238228"/>
       </p:ext>
     </p:extLst>
   </p:cSld>
